--- a/4 - Resumen y Presentacion/ProyectoSpotify.pptx
+++ b/4 - Resumen y Presentacion/ProyectoSpotify.pptx
@@ -24,8 +24,11 @@
     <p:sldId id="262" r:id="rId18"/>
     <p:sldId id="274" r:id="rId19"/>
     <p:sldId id="267" r:id="rId20"/>
-    <p:sldId id="275" r:id="rId21"/>
-    <p:sldId id="276" r:id="rId22"/>
+    <p:sldId id="279" r:id="rId21"/>
+    <p:sldId id="280" r:id="rId22"/>
+    <p:sldId id="281" r:id="rId23"/>
+    <p:sldId id="275" r:id="rId24"/>
+    <p:sldId id="276" r:id="rId25"/>
   </p:sldIdLst>
   <p:sldSz cx="12192000" cy="6858000"/>
   <p:notesSz cx="6858000" cy="9144000"/>
@@ -388,7 +391,7 @@
           <a:p>
             <a:fld id="{276D79ED-3FA7-4EF8-964B-EB8BCFAB02F8}" type="datetimeFigureOut">
               <a:rPr lang="en-US" smtClean="0"/>
-              <a:t>8/30/22</a:t>
+              <a:t>9/6/22</a:t>
             </a:fld>
             <a:endParaRPr lang="en-US"/>
           </a:p>
@@ -661,7 +664,7 @@
             <a:fld id="{276D79ED-3FA7-4EF8-964B-EB8BCFAB02F8}" type="datetimeFigureOut">
               <a:rPr lang="en-US" smtClean="0"/>
               <a:pPr/>
-              <a:t>8/30/22</a:t>
+              <a:t>9/6/22</a:t>
             </a:fld>
             <a:endParaRPr lang="en-US"/>
           </a:p>
@@ -907,7 +910,7 @@
           <a:p>
             <a:fld id="{276D79ED-3FA7-4EF8-964B-EB8BCFAB02F8}" type="datetimeFigureOut">
               <a:rPr lang="en-US" smtClean="0"/>
-              <a:t>8/30/22</a:t>
+              <a:t>9/6/22</a:t>
             </a:fld>
             <a:endParaRPr lang="en-US"/>
           </a:p>
@@ -1271,7 +1274,7 @@
           <a:p>
             <a:fld id="{276D79ED-3FA7-4EF8-964B-EB8BCFAB02F8}" type="datetimeFigureOut">
               <a:rPr lang="en-US" smtClean="0"/>
-              <a:t>8/30/22</a:t>
+              <a:t>9/6/22</a:t>
             </a:fld>
             <a:endParaRPr lang="en-US"/>
           </a:p>
@@ -1388,7 +1391,7 @@
           <a:p>
             <a:fld id="{276D79ED-3FA7-4EF8-964B-EB8BCFAB02F8}" type="datetimeFigureOut">
               <a:rPr lang="en-US" smtClean="0"/>
-              <a:t>8/30/22</a:t>
+              <a:t>9/6/22</a:t>
             </a:fld>
             <a:endParaRPr lang="en-US"/>
           </a:p>
@@ -1483,7 +1486,7 @@
           <a:p>
             <a:fld id="{276D79ED-3FA7-4EF8-964B-EB8BCFAB02F8}" type="datetimeFigureOut">
               <a:rPr lang="en-US" smtClean="0"/>
-              <a:t>8/30/22</a:t>
+              <a:t>9/6/22</a:t>
             </a:fld>
             <a:endParaRPr lang="en-US"/>
           </a:p>
@@ -1759,7 +1762,7 @@
           <a:p>
             <a:fld id="{276D79ED-3FA7-4EF8-964B-EB8BCFAB02F8}" type="datetimeFigureOut">
               <a:rPr lang="en-US" smtClean="0"/>
-              <a:t>8/30/22</a:t>
+              <a:t>9/6/22</a:t>
             </a:fld>
             <a:endParaRPr lang="en-US"/>
           </a:p>
@@ -2015,7 +2018,7 @@
           <a:p>
             <a:fld id="{276D79ED-3FA7-4EF8-964B-EB8BCFAB02F8}" type="datetimeFigureOut">
               <a:rPr lang="en-US" smtClean="0"/>
-              <a:t>8/30/22</a:t>
+              <a:t>9/6/22</a:t>
             </a:fld>
             <a:endParaRPr lang="en-US"/>
           </a:p>
@@ -2234,7 +2237,7 @@
             <a:fld id="{276D79ED-3FA7-4EF8-964B-EB8BCFAB02F8}" type="datetimeFigureOut">
               <a:rPr lang="en-US" smtClean="0"/>
               <a:pPr/>
-              <a:t>8/30/22</a:t>
+              <a:t>9/6/22</a:t>
             </a:fld>
             <a:endParaRPr lang="en-US"/>
           </a:p>
@@ -3509,7 +3512,17 @@
             </a:pPr>
             <a:r>
               <a:rPr lang="es-ES_tradnl" sz="2000" dirty="0"/>
-              <a:t>La cantidad de artistas diferentes es muy grande. El artista con mas apariciones es </a:t>
+              <a:t>La cantidad de artistas diferentes es muy grande. </a:t>
+            </a:r>
+          </a:p>
+          <a:p>
+            <a:pPr marL="0" indent="0">
+              <a:buFont typeface="Arial" panose="020B0604020202020204" pitchFamily="34" charset="0"/>
+              <a:buNone/>
+            </a:pPr>
+            <a:r>
+              <a:rPr lang="es-ES_tradnl" sz="2000" dirty="0"/>
+              <a:t>El artista con mas apariciones es </a:t>
             </a:r>
             <a:r>
               <a:rPr lang="es-ES_tradnl" sz="2000" dirty="0" err="1"/>
@@ -4421,7 +4434,7 @@
         </p:spPr>
         <p:txBody>
           <a:bodyPr vert="horz" lIns="91440" tIns="45720" rIns="91440" bIns="45720" rtlCol="0">
-            <a:normAutofit fontScale="92500" lnSpcReduction="10000"/>
+            <a:normAutofit/>
           </a:bodyPr>
           <a:lstStyle>
             <a:lvl1pPr marL="228600" indent="-228600" algn="l" defTabSz="914400" rtl="0" eaLnBrk="1" latinLnBrk="0" hangingPunct="1">
@@ -4594,7 +4607,7 @@
             </a:pPr>
             <a:r>
               <a:rPr lang="es-ES_tradnl" sz="2000" dirty="0"/>
-              <a:t>Se utilizaron 3 algoritmos de clasificación:</a:t>
+              <a:t>Se utilizaron 2 algoritmos de clasificación:</a:t>
             </a:r>
           </a:p>
           <a:p>
@@ -4651,40 +4664,6 @@
               <a:rPr lang="es-ES_tradnl" sz="2000" dirty="0"/>
               <a:t> Forest</a:t>
             </a:r>
-          </a:p>
-          <a:p>
-            <a:pPr>
-              <a:buFontTx/>
-              <a:buChar char="-"/>
-            </a:pPr>
-            <a:r>
-              <a:rPr lang="es-ES_tradnl" sz="2000" dirty="0"/>
-              <a:t>Red Neural con 2 capas ocultas de 16 nodos cada una</a:t>
-            </a:r>
-          </a:p>
-          <a:p>
-            <a:pPr>
-              <a:buFontTx/>
-              <a:buChar char="-"/>
-            </a:pPr>
-            <a:r>
-              <a:rPr lang="es-ES_tradnl" sz="2000" dirty="0"/>
-              <a:t>Red Neural Convolucional con 18 capas ocultas</a:t>
-            </a:r>
-          </a:p>
-          <a:p>
-            <a:pPr>
-              <a:buFontTx/>
-              <a:buChar char="-"/>
-            </a:pPr>
-            <a:endParaRPr lang="es-ES_tradnl" sz="2000" dirty="0"/>
-          </a:p>
-          <a:p>
-            <a:pPr>
-              <a:buFontTx/>
-              <a:buChar char="-"/>
-            </a:pPr>
-            <a:endParaRPr lang="es-ES_tradnl" sz="2000" dirty="0"/>
           </a:p>
           <a:p>
             <a:pPr marL="0" indent="0">
@@ -5392,7 +5371,7 @@
           <p:nvPr>
             <p:extLst>
               <p:ext uri="{D42A27DB-BD31-4B8C-83A1-F6EECF244321}">
-                <p14:modId xmlns:p14="http://schemas.microsoft.com/office/powerpoint/2010/main" val="1162634530"/>
+                <p14:modId xmlns:p14="http://schemas.microsoft.com/office/powerpoint/2010/main" val="1715958426"/>
               </p:ext>
             </p:extLst>
           </p:nvPr>
@@ -7120,7 +7099,35 @@
           <a:p>
             <a:r>
               <a:rPr lang="es-ES_tradnl" dirty="0"/>
-              <a:t>Conclusiones</a:t>
+              <a:t>Redes Neurales </a:t>
+            </a:r>
+          </a:p>
+        </p:txBody>
+      </p:sp>
+      <p:sp>
+        <p:nvSpPr>
+          <p:cNvPr id="3" name="Text Placeholder 2">
+            <a:extLst>
+              <a:ext uri="{FF2B5EF4-FFF2-40B4-BE49-F238E27FC236}">
+                <a16:creationId xmlns:a16="http://schemas.microsoft.com/office/drawing/2014/main" id="{8F377C20-77F0-A344-A669-99AFD39E673D}"/>
+              </a:ext>
+            </a:extLst>
+          </p:cNvPr>
+          <p:cNvSpPr>
+            <a:spLocks noGrp="1"/>
+          </p:cNvSpPr>
+          <p:nvPr>
+            <p:ph type="body" idx="1"/>
+          </p:nvPr>
+        </p:nvSpPr>
+        <p:spPr/>
+        <p:txBody>
+          <a:bodyPr/>
+          <a:lstStyle/>
+          <a:p>
+            <a:r>
+              <a:rPr lang="es-ES_tradnl" dirty="0"/>
+              <a:t>Para clasificación y regresión</a:t>
             </a:r>
           </a:p>
         </p:txBody>
@@ -7128,7 +7135,7 @@
     </p:spTree>
     <p:extLst>
       <p:ext uri="{BB962C8B-B14F-4D97-AF65-F5344CB8AC3E}">
-        <p14:creationId xmlns:p14="http://schemas.microsoft.com/office/powerpoint/2010/main" val="721286217"/>
+        <p14:creationId xmlns:p14="http://schemas.microsoft.com/office/powerpoint/2010/main" val="1673993696"/>
       </p:ext>
     </p:extLst>
   </p:cSld>
@@ -7178,7 +7185,7 @@
             <a:pPr algn="l"/>
             <a:r>
               <a:rPr lang="es-ES_tradnl" dirty="0"/>
-              <a:t>Conclusiones</a:t>
+              <a:t>Algoritmos Utilizados</a:t>
             </a:r>
           </a:p>
         </p:txBody>
@@ -7375,6 +7382,1919 @@
             </a:lvl9pPr>
           </a:lstStyle>
           <a:p>
+            <a:pPr marL="0" indent="0">
+              <a:buFont typeface="Arial" panose="020B0604020202020204" pitchFamily="34" charset="0"/>
+              <a:buNone/>
+            </a:pPr>
+            <a:r>
+              <a:rPr lang="es-ES_tradnl" sz="2000" dirty="0"/>
+              <a:t>Se utilizaron 4 redes neurales:</a:t>
+            </a:r>
+          </a:p>
+          <a:p>
+            <a:pPr marL="0" indent="0">
+              <a:buFont typeface="Arial" panose="020B0604020202020204" pitchFamily="34" charset="0"/>
+              <a:buNone/>
+            </a:pPr>
+            <a:endParaRPr lang="es-ES_tradnl" sz="2000" dirty="0"/>
+          </a:p>
+          <a:p>
+            <a:pPr>
+              <a:buFontTx/>
+              <a:buChar char="-"/>
+            </a:pPr>
+            <a:r>
+              <a:rPr lang="es-ES_tradnl" sz="2000" dirty="0"/>
+              <a:t>2 de ellas para resolver el problema de clasificación</a:t>
+            </a:r>
+          </a:p>
+          <a:p>
+            <a:pPr>
+              <a:buFontTx/>
+              <a:buChar char="-"/>
+            </a:pPr>
+            <a:r>
+              <a:rPr lang="es-ES_tradnl" sz="2000" dirty="0"/>
+              <a:t>2 de ellas para resolver el problema de regresión</a:t>
+            </a:r>
+          </a:p>
+          <a:p>
+            <a:pPr>
+              <a:buFontTx/>
+              <a:buChar char="-"/>
+            </a:pPr>
+            <a:endParaRPr lang="es-ES_tradnl" sz="2000" dirty="0"/>
+          </a:p>
+          <a:p>
+            <a:pPr marL="0" indent="0">
+              <a:buNone/>
+            </a:pPr>
+            <a:r>
+              <a:rPr lang="es-ES_tradnl" sz="2000" dirty="0"/>
+              <a:t>Nuevamente, se utilizó el R^2 como métrica en regresión y el F1 Score para clasificación.</a:t>
+            </a:r>
+          </a:p>
+          <a:p>
+            <a:pPr marL="0" indent="0">
+              <a:buNone/>
+            </a:pPr>
+            <a:endParaRPr lang="es-ES_tradnl" sz="2000" dirty="0"/>
+          </a:p>
+          <a:p>
+            <a:pPr marL="0" indent="0">
+              <a:buFont typeface="Arial" panose="020B0604020202020204" pitchFamily="34" charset="0"/>
+              <a:buNone/>
+            </a:pPr>
+            <a:endParaRPr lang="en-US" dirty="0"/>
+          </a:p>
+        </p:txBody>
+      </p:sp>
+    </p:spTree>
+    <p:extLst>
+      <p:ext uri="{BB962C8B-B14F-4D97-AF65-F5344CB8AC3E}">
+        <p14:creationId xmlns:p14="http://schemas.microsoft.com/office/powerpoint/2010/main" val="2976143283"/>
+      </p:ext>
+    </p:extLst>
+  </p:cSld>
+  <p:clrMapOvr>
+    <a:masterClrMapping/>
+  </p:clrMapOvr>
+</p:sld>
+</file>
+
+<file path=ppt/slides/slide22.xml><?xml version="1.0" encoding="utf-8"?>
+<p:sld xmlns:a="http://schemas.openxmlformats.org/drawingml/2006/main" xmlns:r="http://schemas.openxmlformats.org/officeDocument/2006/relationships" xmlns:p="http://schemas.openxmlformats.org/presentationml/2006/main">
+  <p:cSld>
+    <p:spTree>
+      <p:nvGrpSpPr>
+        <p:cNvPr id="1" name=""/>
+        <p:cNvGrpSpPr/>
+        <p:nvPr/>
+      </p:nvGrpSpPr>
+      <p:grpSpPr>
+        <a:xfrm>
+          <a:off x="0" y="0"/>
+          <a:ext cx="0" cy="0"/>
+          <a:chOff x="0" y="0"/>
+          <a:chExt cx="0" cy="0"/>
+        </a:xfrm>
+      </p:grpSpPr>
+      <p:sp>
+        <p:nvSpPr>
+          <p:cNvPr id="2" name="Title 1"/>
+          <p:cNvSpPr>
+            <a:spLocks noGrp="1"/>
+          </p:cNvSpPr>
+          <p:nvPr>
+            <p:ph type="title"/>
+          </p:nvPr>
+        </p:nvSpPr>
+        <p:spPr>
+          <a:xfrm>
+            <a:off x="312516" y="365126"/>
+            <a:ext cx="10248358" cy="1129846"/>
+          </a:xfrm>
+        </p:spPr>
+        <p:txBody>
+          <a:bodyPr/>
+          <a:lstStyle/>
+          <a:p>
+            <a:pPr algn="l"/>
+            <a:r>
+              <a:rPr lang="es-ES_tradnl" dirty="0"/>
+              <a:t>Resultados</a:t>
+            </a:r>
+          </a:p>
+        </p:txBody>
+      </p:sp>
+      <p:graphicFrame>
+        <p:nvGraphicFramePr>
+          <p:cNvPr id="4" name="Table 3">
+            <a:extLst>
+              <a:ext uri="{FF2B5EF4-FFF2-40B4-BE49-F238E27FC236}">
+                <a16:creationId xmlns:a16="http://schemas.microsoft.com/office/drawing/2014/main" id="{E67E5703-593D-2B23-51A6-4F2A939EE76E}"/>
+              </a:ext>
+            </a:extLst>
+          </p:cNvPr>
+          <p:cNvGraphicFramePr>
+            <a:graphicFrameLocks noGrp="1"/>
+          </p:cNvGraphicFramePr>
+          <p:nvPr>
+            <p:extLst>
+              <p:ext uri="{D42A27DB-BD31-4B8C-83A1-F6EECF244321}">
+                <p14:modId xmlns:p14="http://schemas.microsoft.com/office/powerpoint/2010/main" val="2944740120"/>
+              </p:ext>
+            </p:extLst>
+          </p:nvPr>
+        </p:nvGraphicFramePr>
+        <p:xfrm>
+          <a:off x="451613" y="1998925"/>
+          <a:ext cx="5937250" cy="1560703"/>
+        </p:xfrm>
+        <a:graphic>
+          <a:graphicData uri="http://schemas.openxmlformats.org/drawingml/2006/table">
+            <a:tbl>
+              <a:tblPr firstRow="1" firstCol="1" bandRow="1">
+                <a:tableStyleId>{5C22544A-7EE6-4342-B048-85BDC9FD1C3A}</a:tableStyleId>
+              </a:tblPr>
+              <a:tblGrid>
+                <a:gridCol w="2141855">
+                  <a:extLst>
+                    <a:ext uri="{9D8B030D-6E8A-4147-A177-3AD203B41FA5}">
+                      <a16:colId xmlns:a16="http://schemas.microsoft.com/office/drawing/2014/main" val="408004687"/>
+                    </a:ext>
+                  </a:extLst>
+                </a:gridCol>
+                <a:gridCol w="1074420">
+                  <a:extLst>
+                    <a:ext uri="{9D8B030D-6E8A-4147-A177-3AD203B41FA5}">
+                      <a16:colId xmlns:a16="http://schemas.microsoft.com/office/drawing/2014/main" val="129172525"/>
+                    </a:ext>
+                  </a:extLst>
+                </a:gridCol>
+                <a:gridCol w="2720975">
+                  <a:extLst>
+                    <a:ext uri="{9D8B030D-6E8A-4147-A177-3AD203B41FA5}">
+                      <a16:colId xmlns:a16="http://schemas.microsoft.com/office/drawing/2014/main" val="1795329682"/>
+                    </a:ext>
+                  </a:extLst>
+                </a:gridCol>
+              </a:tblGrid>
+              <a:tr h="307975">
+                <a:tc>
+                  <a:txBody>
+                    <a:bodyPr/>
+                    <a:lstStyle/>
+                    <a:p>
+                      <a:pPr marL="59055" indent="-6350" algn="l">
+                        <a:lnSpc>
+                          <a:spcPct val="107000"/>
+                        </a:lnSpc>
+                        <a:spcAft>
+                          <a:spcPts val="20"/>
+                        </a:spcAft>
+                      </a:pPr>
+                      <a:r>
+                        <a:rPr lang="es-ES" sz="1200" dirty="0">
+                          <a:effectLst/>
+                        </a:rPr>
+                        <a:t>Red Neural </a:t>
+                      </a:r>
+                      <a:endParaRPr lang="en-AR" sz="1200" dirty="0">
+                        <a:solidFill>
+                          <a:srgbClr val="161718"/>
+                        </a:solidFill>
+                        <a:effectLst/>
+                        <a:latin typeface="Microsoft Sans Serif" panose="020B0604020202020204" pitchFamily="34" charset="0"/>
+                        <a:ea typeface="Microsoft Sans Serif" panose="020B0604020202020204" pitchFamily="34" charset="0"/>
+                        <a:cs typeface="Times New Roman" panose="02020603050405020304" pitchFamily="18" charset="0"/>
+                      </a:endParaRPr>
+                    </a:p>
+                  </a:txBody>
+                  <a:tcPr marL="90170" marR="73025" marT="53340" marB="0"/>
+                </a:tc>
+                <a:tc>
+                  <a:txBody>
+                    <a:bodyPr/>
+                    <a:lstStyle/>
+                    <a:p>
+                      <a:pPr marL="1270" indent="-6350" algn="l">
+                        <a:lnSpc>
+                          <a:spcPct val="107000"/>
+                        </a:lnSpc>
+                        <a:spcAft>
+                          <a:spcPts val="20"/>
+                        </a:spcAft>
+                      </a:pPr>
+                      <a:r>
+                        <a:rPr lang="en-AR" sz="1200">
+                          <a:effectLst/>
+                        </a:rPr>
+                        <a:t>F1 Score </a:t>
+                      </a:r>
+                      <a:endParaRPr lang="en-AR" sz="1200">
+                        <a:solidFill>
+                          <a:srgbClr val="161718"/>
+                        </a:solidFill>
+                        <a:effectLst/>
+                        <a:latin typeface="Microsoft Sans Serif" panose="020B0604020202020204" pitchFamily="34" charset="0"/>
+                        <a:ea typeface="Microsoft Sans Serif" panose="020B0604020202020204" pitchFamily="34" charset="0"/>
+                        <a:cs typeface="Times New Roman" panose="02020603050405020304" pitchFamily="18" charset="0"/>
+                      </a:endParaRPr>
+                    </a:p>
+                  </a:txBody>
+                  <a:tcPr marL="90170" marR="73025" marT="53340" marB="0"/>
+                </a:tc>
+                <a:tc>
+                  <a:txBody>
+                    <a:bodyPr/>
+                    <a:lstStyle/>
+                    <a:p>
+                      <a:pPr marL="1270" indent="-6350" algn="l">
+                        <a:lnSpc>
+                          <a:spcPct val="107000"/>
+                        </a:lnSpc>
+                        <a:spcAft>
+                          <a:spcPts val="20"/>
+                        </a:spcAft>
+                      </a:pPr>
+                      <a:r>
+                        <a:rPr lang="en-AR" sz="1200" dirty="0">
+                          <a:effectLst/>
+                        </a:rPr>
+                        <a:t>Parámetro</a:t>
+                      </a:r>
+                      <a:r>
+                        <a:rPr lang="es-ES" sz="1200" dirty="0">
+                          <a:effectLst/>
+                        </a:rPr>
+                        <a:t>s elegidos</a:t>
+                      </a:r>
+                      <a:endParaRPr lang="en-AR" sz="1200" dirty="0">
+                        <a:solidFill>
+                          <a:srgbClr val="161718"/>
+                        </a:solidFill>
+                        <a:effectLst/>
+                        <a:latin typeface="Microsoft Sans Serif" panose="020B0604020202020204" pitchFamily="34" charset="0"/>
+                        <a:ea typeface="Microsoft Sans Serif" panose="020B0604020202020204" pitchFamily="34" charset="0"/>
+                        <a:cs typeface="Times New Roman" panose="02020603050405020304" pitchFamily="18" charset="0"/>
+                      </a:endParaRPr>
+                    </a:p>
+                  </a:txBody>
+                  <a:tcPr marL="90170" marR="73025" marT="53340" marB="0"/>
+                </a:tc>
+                <a:extLst>
+                  <a:ext uri="{0D108BD9-81ED-4DB2-BD59-A6C34878D82A}">
+                    <a16:rowId xmlns:a16="http://schemas.microsoft.com/office/drawing/2014/main" val="1449952147"/>
+                  </a:ext>
+                </a:extLst>
+              </a:tr>
+              <a:tr h="297180">
+                <a:tc>
+                  <a:txBody>
+                    <a:bodyPr/>
+                    <a:lstStyle/>
+                    <a:p>
+                      <a:pPr marL="59055" indent="-6350" algn="l">
+                        <a:lnSpc>
+                          <a:spcPct val="107000"/>
+                        </a:lnSpc>
+                        <a:spcAft>
+                          <a:spcPts val="20"/>
+                        </a:spcAft>
+                      </a:pPr>
+                      <a:r>
+                        <a:rPr lang="es-ES" sz="1200">
+                          <a:effectLst/>
+                        </a:rPr>
+                        <a:t>Red 1 con datos completos </a:t>
+                      </a:r>
+                      <a:endParaRPr lang="en-AR" sz="1200">
+                        <a:solidFill>
+                          <a:srgbClr val="161718"/>
+                        </a:solidFill>
+                        <a:effectLst/>
+                        <a:latin typeface="Microsoft Sans Serif" panose="020B0604020202020204" pitchFamily="34" charset="0"/>
+                        <a:ea typeface="Microsoft Sans Serif" panose="020B0604020202020204" pitchFamily="34" charset="0"/>
+                        <a:cs typeface="Times New Roman" panose="02020603050405020304" pitchFamily="18" charset="0"/>
+                      </a:endParaRPr>
+                    </a:p>
+                  </a:txBody>
+                  <a:tcPr marL="90170" marR="73025" marT="53340" marB="0"/>
+                </a:tc>
+                <a:tc>
+                  <a:txBody>
+                    <a:bodyPr/>
+                    <a:lstStyle/>
+                    <a:p>
+                      <a:pPr marL="1270" indent="-6350" algn="l">
+                        <a:lnSpc>
+                          <a:spcPct val="107000"/>
+                        </a:lnSpc>
+                        <a:spcAft>
+                          <a:spcPts val="20"/>
+                        </a:spcAft>
+                      </a:pPr>
+                      <a:r>
+                        <a:rPr lang="es-ES" sz="1200">
+                          <a:effectLst/>
+                        </a:rPr>
+                        <a:t>38</a:t>
+                      </a:r>
+                      <a:r>
+                        <a:rPr lang="en-AR" sz="1200">
+                          <a:effectLst/>
+                        </a:rPr>
+                        <a:t>.</a:t>
+                      </a:r>
+                      <a:r>
+                        <a:rPr lang="es-ES" sz="1200">
+                          <a:effectLst/>
+                        </a:rPr>
+                        <a:t>35</a:t>
+                      </a:r>
+                      <a:r>
+                        <a:rPr lang="en-AR" sz="1200">
+                          <a:effectLst/>
+                        </a:rPr>
+                        <a:t>% </a:t>
+                      </a:r>
+                      <a:endParaRPr lang="en-AR" sz="1200">
+                        <a:solidFill>
+                          <a:srgbClr val="161718"/>
+                        </a:solidFill>
+                        <a:effectLst/>
+                        <a:latin typeface="Microsoft Sans Serif" panose="020B0604020202020204" pitchFamily="34" charset="0"/>
+                        <a:ea typeface="Microsoft Sans Serif" panose="020B0604020202020204" pitchFamily="34" charset="0"/>
+                        <a:cs typeface="Times New Roman" panose="02020603050405020304" pitchFamily="18" charset="0"/>
+                      </a:endParaRPr>
+                    </a:p>
+                  </a:txBody>
+                  <a:tcPr marL="90170" marR="73025" marT="53340" marB="0"/>
+                </a:tc>
+                <a:tc>
+                  <a:txBody>
+                    <a:bodyPr/>
+                    <a:lstStyle/>
+                    <a:p>
+                      <a:pPr marL="1270" indent="-6350" algn="l">
+                        <a:lnSpc>
+                          <a:spcPct val="107000"/>
+                        </a:lnSpc>
+                        <a:spcAft>
+                          <a:spcPts val="20"/>
+                        </a:spcAft>
+                      </a:pPr>
+                      <a:r>
+                        <a:rPr lang="es-ES" sz="1200">
+                          <a:effectLst/>
+                        </a:rPr>
+                        <a:t>Hidden layers: (16,16)</a:t>
+                      </a:r>
+                      <a:endParaRPr lang="en-AR" sz="1200">
+                        <a:effectLst/>
+                      </a:endParaRPr>
+                    </a:p>
+                    <a:p>
+                      <a:pPr marL="1270" indent="-6350" algn="l">
+                        <a:lnSpc>
+                          <a:spcPct val="107000"/>
+                        </a:lnSpc>
+                        <a:spcAft>
+                          <a:spcPts val="20"/>
+                        </a:spcAft>
+                      </a:pPr>
+                      <a:r>
+                        <a:rPr lang="es-ES" sz="1200">
+                          <a:effectLst/>
+                        </a:rPr>
+                        <a:t> </a:t>
+                      </a:r>
+                      <a:endParaRPr lang="en-AR" sz="1200">
+                        <a:effectLst/>
+                      </a:endParaRPr>
+                    </a:p>
+                    <a:p>
+                      <a:pPr marL="1270" indent="-6350" algn="l">
+                        <a:lnSpc>
+                          <a:spcPct val="107000"/>
+                        </a:lnSpc>
+                        <a:spcAft>
+                          <a:spcPts val="20"/>
+                        </a:spcAft>
+                      </a:pPr>
+                      <a:r>
+                        <a:rPr lang="es-ES" sz="1200">
+                          <a:effectLst/>
+                        </a:rPr>
+                        <a:t>Activation: ‘relu’</a:t>
+                      </a:r>
+                      <a:endParaRPr lang="en-AR" sz="1200">
+                        <a:solidFill>
+                          <a:srgbClr val="161718"/>
+                        </a:solidFill>
+                        <a:effectLst/>
+                        <a:latin typeface="Microsoft Sans Serif" panose="020B0604020202020204" pitchFamily="34" charset="0"/>
+                        <a:ea typeface="Microsoft Sans Serif" panose="020B0604020202020204" pitchFamily="34" charset="0"/>
+                        <a:cs typeface="Times New Roman" panose="02020603050405020304" pitchFamily="18" charset="0"/>
+                      </a:endParaRPr>
+                    </a:p>
+                  </a:txBody>
+                  <a:tcPr marL="90170" marR="73025" marT="53340" marB="0"/>
+                </a:tc>
+                <a:extLst>
+                  <a:ext uri="{0D108BD9-81ED-4DB2-BD59-A6C34878D82A}">
+                    <a16:rowId xmlns:a16="http://schemas.microsoft.com/office/drawing/2014/main" val="66936929"/>
+                  </a:ext>
+                </a:extLst>
+              </a:tr>
+              <a:tr h="298450">
+                <a:tc>
+                  <a:txBody>
+                    <a:bodyPr/>
+                    <a:lstStyle/>
+                    <a:p>
+                      <a:pPr marL="59055" indent="-6350" algn="l">
+                        <a:lnSpc>
+                          <a:spcPct val="107000"/>
+                        </a:lnSpc>
+                        <a:spcAft>
+                          <a:spcPts val="20"/>
+                        </a:spcAft>
+                      </a:pPr>
+                      <a:r>
+                        <a:rPr lang="es-ES" sz="1200">
+                          <a:effectLst/>
+                        </a:rPr>
+                        <a:t>Red 2 con PCA</a:t>
+                      </a:r>
+                      <a:endParaRPr lang="en-AR" sz="1200">
+                        <a:solidFill>
+                          <a:srgbClr val="161718"/>
+                        </a:solidFill>
+                        <a:effectLst/>
+                        <a:latin typeface="Microsoft Sans Serif" panose="020B0604020202020204" pitchFamily="34" charset="0"/>
+                        <a:ea typeface="Microsoft Sans Serif" panose="020B0604020202020204" pitchFamily="34" charset="0"/>
+                        <a:cs typeface="Times New Roman" panose="02020603050405020304" pitchFamily="18" charset="0"/>
+                      </a:endParaRPr>
+                    </a:p>
+                  </a:txBody>
+                  <a:tcPr marL="90170" marR="73025" marT="53340" marB="0"/>
+                </a:tc>
+                <a:tc>
+                  <a:txBody>
+                    <a:bodyPr/>
+                    <a:lstStyle/>
+                    <a:p>
+                      <a:pPr marL="1270" indent="-6350" algn="l">
+                        <a:lnSpc>
+                          <a:spcPct val="107000"/>
+                        </a:lnSpc>
+                        <a:spcAft>
+                          <a:spcPts val="20"/>
+                        </a:spcAft>
+                      </a:pPr>
+                      <a:r>
+                        <a:rPr lang="en-AR" sz="1200" dirty="0">
+                          <a:effectLst/>
+                        </a:rPr>
+                        <a:t>3</a:t>
+                      </a:r>
+                      <a:r>
+                        <a:rPr lang="es-ES" sz="1200" dirty="0">
+                          <a:effectLst/>
+                        </a:rPr>
+                        <a:t>3</a:t>
+                      </a:r>
+                      <a:r>
+                        <a:rPr lang="en-AR" sz="1200" dirty="0">
+                          <a:effectLst/>
+                        </a:rPr>
+                        <a:t>.</a:t>
+                      </a:r>
+                      <a:r>
+                        <a:rPr lang="es-ES" sz="1200" dirty="0">
+                          <a:effectLst/>
+                        </a:rPr>
+                        <a:t>37</a:t>
+                      </a:r>
+                      <a:r>
+                        <a:rPr lang="en-AR" sz="1200" dirty="0">
+                          <a:effectLst/>
+                        </a:rPr>
+                        <a:t>% </a:t>
+                      </a:r>
+                      <a:endParaRPr lang="en-AR" sz="1200" dirty="0">
+                        <a:solidFill>
+                          <a:srgbClr val="161718"/>
+                        </a:solidFill>
+                        <a:effectLst/>
+                        <a:latin typeface="Microsoft Sans Serif" panose="020B0604020202020204" pitchFamily="34" charset="0"/>
+                        <a:ea typeface="Microsoft Sans Serif" panose="020B0604020202020204" pitchFamily="34" charset="0"/>
+                        <a:cs typeface="Times New Roman" panose="02020603050405020304" pitchFamily="18" charset="0"/>
+                      </a:endParaRPr>
+                    </a:p>
+                  </a:txBody>
+                  <a:tcPr marL="90170" marR="73025" marT="53340" marB="0"/>
+                </a:tc>
+                <a:tc>
+                  <a:txBody>
+                    <a:bodyPr/>
+                    <a:lstStyle/>
+                    <a:p>
+                      <a:pPr marL="1270" indent="-6350" algn="l">
+                        <a:lnSpc>
+                          <a:spcPct val="107000"/>
+                        </a:lnSpc>
+                        <a:spcAft>
+                          <a:spcPts val="20"/>
+                        </a:spcAft>
+                      </a:pPr>
+                      <a:r>
+                        <a:rPr lang="es-ES" sz="1200" dirty="0" err="1">
+                          <a:effectLst/>
+                        </a:rPr>
+                        <a:t>Hidden</a:t>
+                      </a:r>
+                      <a:r>
+                        <a:rPr lang="es-ES" sz="1200" dirty="0">
+                          <a:effectLst/>
+                        </a:rPr>
+                        <a:t> </a:t>
+                      </a:r>
+                      <a:r>
+                        <a:rPr lang="es-ES" sz="1200" dirty="0" err="1">
+                          <a:effectLst/>
+                        </a:rPr>
+                        <a:t>layers</a:t>
+                      </a:r>
+                      <a:r>
+                        <a:rPr lang="es-ES" sz="1200" dirty="0">
+                          <a:effectLst/>
+                        </a:rPr>
+                        <a:t>: (10,10,10,10,10)</a:t>
+                      </a:r>
+                      <a:endParaRPr lang="en-AR" sz="1200" dirty="0">
+                        <a:effectLst/>
+                      </a:endParaRPr>
+                    </a:p>
+                    <a:p>
+                      <a:pPr marL="1270" indent="-6350" algn="l">
+                        <a:lnSpc>
+                          <a:spcPct val="107000"/>
+                        </a:lnSpc>
+                        <a:spcAft>
+                          <a:spcPts val="20"/>
+                        </a:spcAft>
+                      </a:pPr>
+                      <a:r>
+                        <a:rPr lang="es-ES" sz="1200" dirty="0">
+                          <a:effectLst/>
+                        </a:rPr>
+                        <a:t> </a:t>
+                      </a:r>
+                      <a:endParaRPr lang="en-AR" sz="1200" dirty="0">
+                        <a:effectLst/>
+                      </a:endParaRPr>
+                    </a:p>
+                    <a:p>
+                      <a:pPr marL="1270" indent="-6350" algn="l">
+                        <a:lnSpc>
+                          <a:spcPct val="107000"/>
+                        </a:lnSpc>
+                        <a:spcAft>
+                          <a:spcPts val="20"/>
+                        </a:spcAft>
+                      </a:pPr>
+                      <a:r>
+                        <a:rPr lang="es-ES" sz="1200" dirty="0" err="1">
+                          <a:effectLst/>
+                        </a:rPr>
+                        <a:t>Activation</a:t>
+                      </a:r>
+                      <a:r>
+                        <a:rPr lang="es-ES" sz="1200" dirty="0">
+                          <a:effectLst/>
+                        </a:rPr>
+                        <a:t>: ‘</a:t>
+                      </a:r>
+                      <a:r>
+                        <a:rPr lang="es-ES" sz="1200" dirty="0" err="1">
+                          <a:effectLst/>
+                        </a:rPr>
+                        <a:t>relu</a:t>
+                      </a:r>
+                      <a:r>
+                        <a:rPr lang="es-ES" sz="1200" dirty="0">
+                          <a:effectLst/>
+                        </a:rPr>
+                        <a:t>’</a:t>
+                      </a:r>
+                      <a:endParaRPr lang="en-AR" sz="1200" dirty="0">
+                        <a:solidFill>
+                          <a:srgbClr val="161718"/>
+                        </a:solidFill>
+                        <a:effectLst/>
+                        <a:latin typeface="Microsoft Sans Serif" panose="020B0604020202020204" pitchFamily="34" charset="0"/>
+                        <a:ea typeface="Microsoft Sans Serif" panose="020B0604020202020204" pitchFamily="34" charset="0"/>
+                        <a:cs typeface="Times New Roman" panose="02020603050405020304" pitchFamily="18" charset="0"/>
+                      </a:endParaRPr>
+                    </a:p>
+                  </a:txBody>
+                  <a:tcPr marL="90170" marR="73025" marT="53340" marB="0"/>
+                </a:tc>
+                <a:extLst>
+                  <a:ext uri="{0D108BD9-81ED-4DB2-BD59-A6C34878D82A}">
+                    <a16:rowId xmlns:a16="http://schemas.microsoft.com/office/drawing/2014/main" val="781919753"/>
+                  </a:ext>
+                </a:extLst>
+              </a:tr>
+            </a:tbl>
+          </a:graphicData>
+        </a:graphic>
+      </p:graphicFrame>
+      <p:sp>
+        <p:nvSpPr>
+          <p:cNvPr id="5" name="Rectangle 1">
+            <a:extLst>
+              <a:ext uri="{FF2B5EF4-FFF2-40B4-BE49-F238E27FC236}">
+                <a16:creationId xmlns:a16="http://schemas.microsoft.com/office/drawing/2014/main" id="{B9FEC233-1C01-25AD-A844-F8BAF8521EB1}"/>
+              </a:ext>
+            </a:extLst>
+          </p:cNvPr>
+          <p:cNvSpPr>
+            <a:spLocks noChangeArrowheads="1"/>
+          </p:cNvSpPr>
+          <p:nvPr/>
+        </p:nvSpPr>
+        <p:spPr bwMode="auto">
+          <a:xfrm>
+            <a:off x="451613" y="1521410"/>
+            <a:ext cx="3489016" cy="338554"/>
+          </a:xfrm>
+          <a:prstGeom prst="rect">
+            <a:avLst/>
+          </a:prstGeom>
+          <a:noFill/>
+          <a:ln>
+            <a:noFill/>
+          </a:ln>
+          <a:effectLst/>
+          <a:extLst>
+            <a:ext uri="{909E8E84-426E-40DD-AFC4-6F175D3DCCD1}">
+              <a14:hiddenFill xmlns:a14="http://schemas.microsoft.com/office/drawing/2010/main">
+                <a:solidFill>
+                  <a:schemeClr val="accent1"/>
+                </a:solidFill>
+              </a14:hiddenFill>
+            </a:ext>
+            <a:ext uri="{91240B29-F687-4F45-9708-019B960494DF}">
+              <a14:hiddenLine xmlns:a14="http://schemas.microsoft.com/office/drawing/2010/main" w="9525">
+                <a:solidFill>
+                  <a:schemeClr val="tx1"/>
+                </a:solidFill>
+                <a:miter lim="800000"/>
+                <a:headEnd/>
+                <a:tailEnd/>
+              </a14:hiddenLine>
+            </a:ext>
+            <a:ext uri="{AF507438-7753-43E0-B8FC-AC1667EBCBE1}">
+              <a14:hiddenEffects xmlns:a14="http://schemas.microsoft.com/office/drawing/2010/main">
+                <a:effectLst>
+                  <a:outerShdw dist="35921" dir="2700000" algn="ctr" rotWithShape="0">
+                    <a:schemeClr val="bg2"/>
+                  </a:outerShdw>
+                </a:effectLst>
+              </a14:hiddenEffects>
+            </a:ext>
+          </a:extLst>
+        </p:spPr>
+        <p:txBody>
+          <a:bodyPr vert="horz" wrap="square" lIns="91440" tIns="45720" rIns="91440" bIns="45720" numCol="1" anchor="ctr" anchorCtr="0" compatLnSpc="1">
+            <a:prstTxWarp prst="textNoShape">
+              <a:avLst/>
+            </a:prstTxWarp>
+            <a:spAutoFit/>
+          </a:bodyPr>
+          <a:lstStyle>
+            <a:lvl1pPr eaLnBrk="0" fontAlgn="base" hangingPunct="0">
+              <a:spcBef>
+                <a:spcPct val="0"/>
+              </a:spcBef>
+              <a:spcAft>
+                <a:spcPct val="0"/>
+              </a:spcAft>
+              <a:defRPr>
+                <a:solidFill>
+                  <a:schemeClr val="tx1"/>
+                </a:solidFill>
+                <a:latin typeface="Arial" panose="020B0604020202020204" pitchFamily="34" charset="0"/>
+              </a:defRPr>
+            </a:lvl1pPr>
+            <a:lvl2pPr eaLnBrk="0" fontAlgn="base" hangingPunct="0">
+              <a:spcBef>
+                <a:spcPct val="0"/>
+              </a:spcBef>
+              <a:spcAft>
+                <a:spcPct val="0"/>
+              </a:spcAft>
+              <a:defRPr>
+                <a:solidFill>
+                  <a:schemeClr val="tx1"/>
+                </a:solidFill>
+                <a:latin typeface="Arial" panose="020B0604020202020204" pitchFamily="34" charset="0"/>
+              </a:defRPr>
+            </a:lvl2pPr>
+            <a:lvl3pPr eaLnBrk="0" fontAlgn="base" hangingPunct="0">
+              <a:spcBef>
+                <a:spcPct val="0"/>
+              </a:spcBef>
+              <a:spcAft>
+                <a:spcPct val="0"/>
+              </a:spcAft>
+              <a:defRPr>
+                <a:solidFill>
+                  <a:schemeClr val="tx1"/>
+                </a:solidFill>
+                <a:latin typeface="Arial" panose="020B0604020202020204" pitchFamily="34" charset="0"/>
+              </a:defRPr>
+            </a:lvl3pPr>
+            <a:lvl4pPr eaLnBrk="0" fontAlgn="base" hangingPunct="0">
+              <a:spcBef>
+                <a:spcPct val="0"/>
+              </a:spcBef>
+              <a:spcAft>
+                <a:spcPct val="0"/>
+              </a:spcAft>
+              <a:defRPr>
+                <a:solidFill>
+                  <a:schemeClr val="tx1"/>
+                </a:solidFill>
+                <a:latin typeface="Arial" panose="020B0604020202020204" pitchFamily="34" charset="0"/>
+              </a:defRPr>
+            </a:lvl4pPr>
+            <a:lvl5pPr eaLnBrk="0" fontAlgn="base" hangingPunct="0">
+              <a:spcBef>
+                <a:spcPct val="0"/>
+              </a:spcBef>
+              <a:spcAft>
+                <a:spcPct val="0"/>
+              </a:spcAft>
+              <a:defRPr>
+                <a:solidFill>
+                  <a:schemeClr val="tx1"/>
+                </a:solidFill>
+                <a:latin typeface="Arial" panose="020B0604020202020204" pitchFamily="34" charset="0"/>
+              </a:defRPr>
+            </a:lvl5pPr>
+            <a:lvl6pPr eaLnBrk="0" fontAlgn="base" hangingPunct="0">
+              <a:spcBef>
+                <a:spcPct val="0"/>
+              </a:spcBef>
+              <a:spcAft>
+                <a:spcPct val="0"/>
+              </a:spcAft>
+              <a:defRPr>
+                <a:solidFill>
+                  <a:schemeClr val="tx1"/>
+                </a:solidFill>
+                <a:latin typeface="Arial" panose="020B0604020202020204" pitchFamily="34" charset="0"/>
+              </a:defRPr>
+            </a:lvl6pPr>
+            <a:lvl7pPr eaLnBrk="0" fontAlgn="base" hangingPunct="0">
+              <a:spcBef>
+                <a:spcPct val="0"/>
+              </a:spcBef>
+              <a:spcAft>
+                <a:spcPct val="0"/>
+              </a:spcAft>
+              <a:defRPr>
+                <a:solidFill>
+                  <a:schemeClr val="tx1"/>
+                </a:solidFill>
+                <a:latin typeface="Arial" panose="020B0604020202020204" pitchFamily="34" charset="0"/>
+              </a:defRPr>
+            </a:lvl7pPr>
+            <a:lvl8pPr eaLnBrk="0" fontAlgn="base" hangingPunct="0">
+              <a:spcBef>
+                <a:spcPct val="0"/>
+              </a:spcBef>
+              <a:spcAft>
+                <a:spcPct val="0"/>
+              </a:spcAft>
+              <a:defRPr>
+                <a:solidFill>
+                  <a:schemeClr val="tx1"/>
+                </a:solidFill>
+                <a:latin typeface="Arial" panose="020B0604020202020204" pitchFamily="34" charset="0"/>
+              </a:defRPr>
+            </a:lvl8pPr>
+            <a:lvl9pPr eaLnBrk="0" fontAlgn="base" hangingPunct="0">
+              <a:spcBef>
+                <a:spcPct val="0"/>
+              </a:spcBef>
+              <a:spcAft>
+                <a:spcPct val="0"/>
+              </a:spcAft>
+              <a:defRPr>
+                <a:solidFill>
+                  <a:schemeClr val="tx1"/>
+                </a:solidFill>
+                <a:latin typeface="Arial" panose="020B0604020202020204" pitchFamily="34" charset="0"/>
+              </a:defRPr>
+            </a:lvl9pPr>
+          </a:lstStyle>
+          <a:p>
+            <a:pPr marL="0" marR="0" lvl="0" indent="0" algn="l" defTabSz="914400" rtl="0" eaLnBrk="0" fontAlgn="base" latinLnBrk="0" hangingPunct="0">
+              <a:lnSpc>
+                <a:spcPct val="100000"/>
+              </a:lnSpc>
+              <a:spcBef>
+                <a:spcPct val="0"/>
+              </a:spcBef>
+              <a:spcAft>
+                <a:spcPct val="0"/>
+              </a:spcAft>
+              <a:buClrTx/>
+              <a:buSzTx/>
+              <a:buFontTx/>
+              <a:buNone/>
+              <a:tabLst/>
+            </a:pPr>
+            <a:r>
+              <a:rPr kumimoji="0" lang="es-ES" altLang="en-AR" sz="1600" b="1" i="0" u="none" strike="noStrike" cap="none" normalizeH="0" baseline="0" dirty="0">
+                <a:ln>
+                  <a:noFill/>
+                </a:ln>
+                <a:solidFill>
+                  <a:schemeClr val="bg1"/>
+                </a:solidFill>
+                <a:effectLst/>
+                <a:latin typeface="Arial" panose="020B0604020202020204" pitchFamily="34" charset="0"/>
+                <a:ea typeface="Microsoft Sans Serif" panose="020B0604020202020204" pitchFamily="34" charset="0"/>
+              </a:rPr>
+              <a:t>Problemas de clasificación:</a:t>
+            </a:r>
+            <a:endParaRPr kumimoji="0" lang="es-ES" altLang="en-AR" sz="1600" b="0" i="0" u="none" strike="noStrike" cap="none" normalizeH="0" baseline="0" dirty="0">
+              <a:ln>
+                <a:noFill/>
+              </a:ln>
+              <a:solidFill>
+                <a:schemeClr val="bg1"/>
+              </a:solidFill>
+              <a:effectLst/>
+              <a:latin typeface="Arial" panose="020B0604020202020204" pitchFamily="34" charset="0"/>
+            </a:endParaRPr>
+          </a:p>
+        </p:txBody>
+      </p:sp>
+      <p:sp>
+        <p:nvSpPr>
+          <p:cNvPr id="6" name="Rectangle 1">
+            <a:extLst>
+              <a:ext uri="{FF2B5EF4-FFF2-40B4-BE49-F238E27FC236}">
+                <a16:creationId xmlns:a16="http://schemas.microsoft.com/office/drawing/2014/main" id="{8F9DD0EE-EB6E-D37A-EC6D-C65FE125E808}"/>
+              </a:ext>
+            </a:extLst>
+          </p:cNvPr>
+          <p:cNvSpPr>
+            <a:spLocks noChangeArrowheads="1"/>
+          </p:cNvSpPr>
+          <p:nvPr/>
+        </p:nvSpPr>
+        <p:spPr bwMode="auto">
+          <a:xfrm>
+            <a:off x="451612" y="3894304"/>
+            <a:ext cx="3400719" cy="338554"/>
+          </a:xfrm>
+          <a:prstGeom prst="rect">
+            <a:avLst/>
+          </a:prstGeom>
+          <a:noFill/>
+          <a:ln>
+            <a:noFill/>
+          </a:ln>
+          <a:effectLst/>
+          <a:extLst>
+            <a:ext uri="{909E8E84-426E-40DD-AFC4-6F175D3DCCD1}">
+              <a14:hiddenFill xmlns:a14="http://schemas.microsoft.com/office/drawing/2010/main">
+                <a:solidFill>
+                  <a:schemeClr val="accent1"/>
+                </a:solidFill>
+              </a14:hiddenFill>
+            </a:ext>
+            <a:ext uri="{91240B29-F687-4F45-9708-019B960494DF}">
+              <a14:hiddenLine xmlns:a14="http://schemas.microsoft.com/office/drawing/2010/main" w="9525">
+                <a:solidFill>
+                  <a:schemeClr val="tx1"/>
+                </a:solidFill>
+                <a:miter lim="800000"/>
+                <a:headEnd/>
+                <a:tailEnd/>
+              </a14:hiddenLine>
+            </a:ext>
+            <a:ext uri="{AF507438-7753-43E0-B8FC-AC1667EBCBE1}">
+              <a14:hiddenEffects xmlns:a14="http://schemas.microsoft.com/office/drawing/2010/main">
+                <a:effectLst>
+                  <a:outerShdw dist="35921" dir="2700000" algn="ctr" rotWithShape="0">
+                    <a:schemeClr val="bg2"/>
+                  </a:outerShdw>
+                </a:effectLst>
+              </a14:hiddenEffects>
+            </a:ext>
+          </a:extLst>
+        </p:spPr>
+        <p:txBody>
+          <a:bodyPr vert="horz" wrap="square" lIns="91440" tIns="45720" rIns="91440" bIns="45720" numCol="1" anchor="ctr" anchorCtr="0" compatLnSpc="1">
+            <a:prstTxWarp prst="textNoShape">
+              <a:avLst/>
+            </a:prstTxWarp>
+            <a:spAutoFit/>
+          </a:bodyPr>
+          <a:lstStyle>
+            <a:lvl1pPr eaLnBrk="0" fontAlgn="base" hangingPunct="0">
+              <a:spcBef>
+                <a:spcPct val="0"/>
+              </a:spcBef>
+              <a:spcAft>
+                <a:spcPct val="0"/>
+              </a:spcAft>
+              <a:defRPr>
+                <a:solidFill>
+                  <a:schemeClr val="tx1"/>
+                </a:solidFill>
+                <a:latin typeface="Arial" panose="020B0604020202020204" pitchFamily="34" charset="0"/>
+              </a:defRPr>
+            </a:lvl1pPr>
+            <a:lvl2pPr eaLnBrk="0" fontAlgn="base" hangingPunct="0">
+              <a:spcBef>
+                <a:spcPct val="0"/>
+              </a:spcBef>
+              <a:spcAft>
+                <a:spcPct val="0"/>
+              </a:spcAft>
+              <a:defRPr>
+                <a:solidFill>
+                  <a:schemeClr val="tx1"/>
+                </a:solidFill>
+                <a:latin typeface="Arial" panose="020B0604020202020204" pitchFamily="34" charset="0"/>
+              </a:defRPr>
+            </a:lvl2pPr>
+            <a:lvl3pPr eaLnBrk="0" fontAlgn="base" hangingPunct="0">
+              <a:spcBef>
+                <a:spcPct val="0"/>
+              </a:spcBef>
+              <a:spcAft>
+                <a:spcPct val="0"/>
+              </a:spcAft>
+              <a:defRPr>
+                <a:solidFill>
+                  <a:schemeClr val="tx1"/>
+                </a:solidFill>
+                <a:latin typeface="Arial" panose="020B0604020202020204" pitchFamily="34" charset="0"/>
+              </a:defRPr>
+            </a:lvl3pPr>
+            <a:lvl4pPr eaLnBrk="0" fontAlgn="base" hangingPunct="0">
+              <a:spcBef>
+                <a:spcPct val="0"/>
+              </a:spcBef>
+              <a:spcAft>
+                <a:spcPct val="0"/>
+              </a:spcAft>
+              <a:defRPr>
+                <a:solidFill>
+                  <a:schemeClr val="tx1"/>
+                </a:solidFill>
+                <a:latin typeface="Arial" panose="020B0604020202020204" pitchFamily="34" charset="0"/>
+              </a:defRPr>
+            </a:lvl4pPr>
+            <a:lvl5pPr eaLnBrk="0" fontAlgn="base" hangingPunct="0">
+              <a:spcBef>
+                <a:spcPct val="0"/>
+              </a:spcBef>
+              <a:spcAft>
+                <a:spcPct val="0"/>
+              </a:spcAft>
+              <a:defRPr>
+                <a:solidFill>
+                  <a:schemeClr val="tx1"/>
+                </a:solidFill>
+                <a:latin typeface="Arial" panose="020B0604020202020204" pitchFamily="34" charset="0"/>
+              </a:defRPr>
+            </a:lvl5pPr>
+            <a:lvl6pPr eaLnBrk="0" fontAlgn="base" hangingPunct="0">
+              <a:spcBef>
+                <a:spcPct val="0"/>
+              </a:spcBef>
+              <a:spcAft>
+                <a:spcPct val="0"/>
+              </a:spcAft>
+              <a:defRPr>
+                <a:solidFill>
+                  <a:schemeClr val="tx1"/>
+                </a:solidFill>
+                <a:latin typeface="Arial" panose="020B0604020202020204" pitchFamily="34" charset="0"/>
+              </a:defRPr>
+            </a:lvl6pPr>
+            <a:lvl7pPr eaLnBrk="0" fontAlgn="base" hangingPunct="0">
+              <a:spcBef>
+                <a:spcPct val="0"/>
+              </a:spcBef>
+              <a:spcAft>
+                <a:spcPct val="0"/>
+              </a:spcAft>
+              <a:defRPr>
+                <a:solidFill>
+                  <a:schemeClr val="tx1"/>
+                </a:solidFill>
+                <a:latin typeface="Arial" panose="020B0604020202020204" pitchFamily="34" charset="0"/>
+              </a:defRPr>
+            </a:lvl7pPr>
+            <a:lvl8pPr eaLnBrk="0" fontAlgn="base" hangingPunct="0">
+              <a:spcBef>
+                <a:spcPct val="0"/>
+              </a:spcBef>
+              <a:spcAft>
+                <a:spcPct val="0"/>
+              </a:spcAft>
+              <a:defRPr>
+                <a:solidFill>
+                  <a:schemeClr val="tx1"/>
+                </a:solidFill>
+                <a:latin typeface="Arial" panose="020B0604020202020204" pitchFamily="34" charset="0"/>
+              </a:defRPr>
+            </a:lvl8pPr>
+            <a:lvl9pPr eaLnBrk="0" fontAlgn="base" hangingPunct="0">
+              <a:spcBef>
+                <a:spcPct val="0"/>
+              </a:spcBef>
+              <a:spcAft>
+                <a:spcPct val="0"/>
+              </a:spcAft>
+              <a:defRPr>
+                <a:solidFill>
+                  <a:schemeClr val="tx1"/>
+                </a:solidFill>
+                <a:latin typeface="Arial" panose="020B0604020202020204" pitchFamily="34" charset="0"/>
+              </a:defRPr>
+            </a:lvl9pPr>
+          </a:lstStyle>
+          <a:p>
+            <a:pPr marL="0" marR="0" lvl="0" indent="0" algn="l" defTabSz="914400" rtl="0" eaLnBrk="0" fontAlgn="base" latinLnBrk="0" hangingPunct="0">
+              <a:lnSpc>
+                <a:spcPct val="100000"/>
+              </a:lnSpc>
+              <a:spcBef>
+                <a:spcPct val="0"/>
+              </a:spcBef>
+              <a:spcAft>
+                <a:spcPct val="0"/>
+              </a:spcAft>
+              <a:buClrTx/>
+              <a:buSzTx/>
+              <a:buFontTx/>
+              <a:buNone/>
+              <a:tabLst/>
+            </a:pPr>
+            <a:r>
+              <a:rPr kumimoji="0" lang="es-ES" altLang="en-AR" sz="1600" b="1" i="0" u="none" strike="noStrike" cap="none" normalizeH="0" baseline="0" dirty="0">
+                <a:ln>
+                  <a:noFill/>
+                </a:ln>
+                <a:solidFill>
+                  <a:schemeClr val="bg1"/>
+                </a:solidFill>
+                <a:effectLst/>
+                <a:latin typeface="Arial" panose="020B0604020202020204" pitchFamily="34" charset="0"/>
+                <a:ea typeface="Microsoft Sans Serif" panose="020B0604020202020204" pitchFamily="34" charset="0"/>
+              </a:rPr>
+              <a:t>Problemas de regresión:</a:t>
+            </a:r>
+            <a:endParaRPr kumimoji="0" lang="es-ES" altLang="en-AR" sz="1600" b="0" i="0" u="none" strike="noStrike" cap="none" normalizeH="0" baseline="0" dirty="0">
+              <a:ln>
+                <a:noFill/>
+              </a:ln>
+              <a:solidFill>
+                <a:schemeClr val="bg1"/>
+              </a:solidFill>
+              <a:effectLst/>
+              <a:latin typeface="Arial" panose="020B0604020202020204" pitchFamily="34" charset="0"/>
+            </a:endParaRPr>
+          </a:p>
+        </p:txBody>
+      </p:sp>
+      <p:graphicFrame>
+        <p:nvGraphicFramePr>
+          <p:cNvPr id="7" name="Table 6">
+            <a:extLst>
+              <a:ext uri="{FF2B5EF4-FFF2-40B4-BE49-F238E27FC236}">
+                <a16:creationId xmlns:a16="http://schemas.microsoft.com/office/drawing/2014/main" id="{63F5BBBC-5994-EC1D-121B-A1BAB89DC859}"/>
+              </a:ext>
+            </a:extLst>
+          </p:cNvPr>
+          <p:cNvGraphicFramePr>
+            <a:graphicFrameLocks noGrp="1"/>
+          </p:cNvGraphicFramePr>
+          <p:nvPr>
+            <p:extLst>
+              <p:ext uri="{D42A27DB-BD31-4B8C-83A1-F6EECF244321}">
+                <p14:modId xmlns:p14="http://schemas.microsoft.com/office/powerpoint/2010/main" val="3296647968"/>
+              </p:ext>
+            </p:extLst>
+          </p:nvPr>
+        </p:nvGraphicFramePr>
+        <p:xfrm>
+          <a:off x="451612" y="4399618"/>
+          <a:ext cx="5937250" cy="1560703"/>
+        </p:xfrm>
+        <a:graphic>
+          <a:graphicData uri="http://schemas.openxmlformats.org/drawingml/2006/table">
+            <a:tbl>
+              <a:tblPr firstRow="1" firstCol="1" bandRow="1">
+                <a:tableStyleId>{5C22544A-7EE6-4342-B048-85BDC9FD1C3A}</a:tableStyleId>
+              </a:tblPr>
+              <a:tblGrid>
+                <a:gridCol w="2141855">
+                  <a:extLst>
+                    <a:ext uri="{9D8B030D-6E8A-4147-A177-3AD203B41FA5}">
+                      <a16:colId xmlns:a16="http://schemas.microsoft.com/office/drawing/2014/main" val="1794065126"/>
+                    </a:ext>
+                  </a:extLst>
+                </a:gridCol>
+                <a:gridCol w="1074420">
+                  <a:extLst>
+                    <a:ext uri="{9D8B030D-6E8A-4147-A177-3AD203B41FA5}">
+                      <a16:colId xmlns:a16="http://schemas.microsoft.com/office/drawing/2014/main" val="3355402676"/>
+                    </a:ext>
+                  </a:extLst>
+                </a:gridCol>
+                <a:gridCol w="2720975">
+                  <a:extLst>
+                    <a:ext uri="{9D8B030D-6E8A-4147-A177-3AD203B41FA5}">
+                      <a16:colId xmlns:a16="http://schemas.microsoft.com/office/drawing/2014/main" val="2993490041"/>
+                    </a:ext>
+                  </a:extLst>
+                </a:gridCol>
+              </a:tblGrid>
+              <a:tr h="307975">
+                <a:tc>
+                  <a:txBody>
+                    <a:bodyPr/>
+                    <a:lstStyle/>
+                    <a:p>
+                      <a:pPr marL="59055" indent="-6350" algn="l">
+                        <a:lnSpc>
+                          <a:spcPct val="107000"/>
+                        </a:lnSpc>
+                        <a:spcAft>
+                          <a:spcPts val="20"/>
+                        </a:spcAft>
+                      </a:pPr>
+                      <a:r>
+                        <a:rPr lang="es-ES" sz="1200">
+                          <a:effectLst/>
+                        </a:rPr>
+                        <a:t>Red Neural </a:t>
+                      </a:r>
+                      <a:endParaRPr lang="en-AR" sz="1200">
+                        <a:solidFill>
+                          <a:srgbClr val="161718"/>
+                        </a:solidFill>
+                        <a:effectLst/>
+                        <a:latin typeface="Microsoft Sans Serif" panose="020B0604020202020204" pitchFamily="34" charset="0"/>
+                        <a:ea typeface="Microsoft Sans Serif" panose="020B0604020202020204" pitchFamily="34" charset="0"/>
+                        <a:cs typeface="Times New Roman" panose="02020603050405020304" pitchFamily="18" charset="0"/>
+                      </a:endParaRPr>
+                    </a:p>
+                  </a:txBody>
+                  <a:tcPr marL="90170" marR="73025" marT="53340" marB="0"/>
+                </a:tc>
+                <a:tc>
+                  <a:txBody>
+                    <a:bodyPr/>
+                    <a:lstStyle/>
+                    <a:p>
+                      <a:pPr marL="1270" indent="-6350" algn="l">
+                        <a:lnSpc>
+                          <a:spcPct val="107000"/>
+                        </a:lnSpc>
+                        <a:spcAft>
+                          <a:spcPts val="20"/>
+                        </a:spcAft>
+                      </a:pPr>
+                      <a:r>
+                        <a:rPr lang="es-ES" sz="1200">
+                          <a:effectLst/>
+                        </a:rPr>
+                        <a:t>R^2 </a:t>
+                      </a:r>
+                      <a:endParaRPr lang="en-AR" sz="1200">
+                        <a:solidFill>
+                          <a:srgbClr val="161718"/>
+                        </a:solidFill>
+                        <a:effectLst/>
+                        <a:latin typeface="Microsoft Sans Serif" panose="020B0604020202020204" pitchFamily="34" charset="0"/>
+                        <a:ea typeface="Microsoft Sans Serif" panose="020B0604020202020204" pitchFamily="34" charset="0"/>
+                        <a:cs typeface="Times New Roman" panose="02020603050405020304" pitchFamily="18" charset="0"/>
+                      </a:endParaRPr>
+                    </a:p>
+                  </a:txBody>
+                  <a:tcPr marL="90170" marR="73025" marT="53340" marB="0"/>
+                </a:tc>
+                <a:tc>
+                  <a:txBody>
+                    <a:bodyPr/>
+                    <a:lstStyle/>
+                    <a:p>
+                      <a:pPr marL="1270" indent="-6350" algn="l">
+                        <a:lnSpc>
+                          <a:spcPct val="107000"/>
+                        </a:lnSpc>
+                        <a:spcAft>
+                          <a:spcPts val="20"/>
+                        </a:spcAft>
+                      </a:pPr>
+                      <a:r>
+                        <a:rPr lang="en-AR" sz="1200">
+                          <a:effectLst/>
+                        </a:rPr>
+                        <a:t>Parámetro</a:t>
+                      </a:r>
+                      <a:r>
+                        <a:rPr lang="es-ES" sz="1200">
+                          <a:effectLst/>
+                        </a:rPr>
+                        <a:t>s elegidos</a:t>
+                      </a:r>
+                      <a:endParaRPr lang="en-AR" sz="1200">
+                        <a:solidFill>
+                          <a:srgbClr val="161718"/>
+                        </a:solidFill>
+                        <a:effectLst/>
+                        <a:latin typeface="Microsoft Sans Serif" panose="020B0604020202020204" pitchFamily="34" charset="0"/>
+                        <a:ea typeface="Microsoft Sans Serif" panose="020B0604020202020204" pitchFamily="34" charset="0"/>
+                        <a:cs typeface="Times New Roman" panose="02020603050405020304" pitchFamily="18" charset="0"/>
+                      </a:endParaRPr>
+                    </a:p>
+                  </a:txBody>
+                  <a:tcPr marL="90170" marR="73025" marT="53340" marB="0"/>
+                </a:tc>
+                <a:extLst>
+                  <a:ext uri="{0D108BD9-81ED-4DB2-BD59-A6C34878D82A}">
+                    <a16:rowId xmlns:a16="http://schemas.microsoft.com/office/drawing/2014/main" val="538092540"/>
+                  </a:ext>
+                </a:extLst>
+              </a:tr>
+              <a:tr h="297180">
+                <a:tc>
+                  <a:txBody>
+                    <a:bodyPr/>
+                    <a:lstStyle/>
+                    <a:p>
+                      <a:pPr marL="59055" indent="-6350" algn="l">
+                        <a:lnSpc>
+                          <a:spcPct val="107000"/>
+                        </a:lnSpc>
+                        <a:spcAft>
+                          <a:spcPts val="20"/>
+                        </a:spcAft>
+                      </a:pPr>
+                      <a:r>
+                        <a:rPr lang="es-ES" sz="1200">
+                          <a:effectLst/>
+                        </a:rPr>
+                        <a:t>Red 1 con datos completos </a:t>
+                      </a:r>
+                      <a:endParaRPr lang="en-AR" sz="1200">
+                        <a:solidFill>
+                          <a:srgbClr val="161718"/>
+                        </a:solidFill>
+                        <a:effectLst/>
+                        <a:latin typeface="Microsoft Sans Serif" panose="020B0604020202020204" pitchFamily="34" charset="0"/>
+                        <a:ea typeface="Microsoft Sans Serif" panose="020B0604020202020204" pitchFamily="34" charset="0"/>
+                        <a:cs typeface="Times New Roman" panose="02020603050405020304" pitchFamily="18" charset="0"/>
+                      </a:endParaRPr>
+                    </a:p>
+                  </a:txBody>
+                  <a:tcPr marL="90170" marR="73025" marT="53340" marB="0"/>
+                </a:tc>
+                <a:tc>
+                  <a:txBody>
+                    <a:bodyPr/>
+                    <a:lstStyle/>
+                    <a:p>
+                      <a:pPr marL="1270" indent="-6350" algn="l">
+                        <a:lnSpc>
+                          <a:spcPct val="107000"/>
+                        </a:lnSpc>
+                        <a:spcAft>
+                          <a:spcPts val="20"/>
+                        </a:spcAft>
+                      </a:pPr>
+                      <a:r>
+                        <a:rPr lang="es-ES" sz="1200">
+                          <a:effectLst/>
+                        </a:rPr>
+                        <a:t>0.0804 </a:t>
+                      </a:r>
+                      <a:endParaRPr lang="en-AR" sz="1200">
+                        <a:solidFill>
+                          <a:srgbClr val="161718"/>
+                        </a:solidFill>
+                        <a:effectLst/>
+                        <a:latin typeface="Microsoft Sans Serif" panose="020B0604020202020204" pitchFamily="34" charset="0"/>
+                        <a:ea typeface="Microsoft Sans Serif" panose="020B0604020202020204" pitchFamily="34" charset="0"/>
+                        <a:cs typeface="Times New Roman" panose="02020603050405020304" pitchFamily="18" charset="0"/>
+                      </a:endParaRPr>
+                    </a:p>
+                  </a:txBody>
+                  <a:tcPr marL="90170" marR="73025" marT="53340" marB="0"/>
+                </a:tc>
+                <a:tc>
+                  <a:txBody>
+                    <a:bodyPr/>
+                    <a:lstStyle/>
+                    <a:p>
+                      <a:pPr marL="1270" indent="-6350" algn="l">
+                        <a:lnSpc>
+                          <a:spcPct val="107000"/>
+                        </a:lnSpc>
+                        <a:spcAft>
+                          <a:spcPts val="20"/>
+                        </a:spcAft>
+                      </a:pPr>
+                      <a:r>
+                        <a:rPr lang="es-ES" sz="1200">
+                          <a:effectLst/>
+                        </a:rPr>
+                        <a:t>Hidden layers : (16,16)</a:t>
+                      </a:r>
+                      <a:endParaRPr lang="en-AR" sz="1200">
+                        <a:effectLst/>
+                      </a:endParaRPr>
+                    </a:p>
+                    <a:p>
+                      <a:pPr marL="1270" indent="-6350" algn="l">
+                        <a:lnSpc>
+                          <a:spcPct val="107000"/>
+                        </a:lnSpc>
+                        <a:spcAft>
+                          <a:spcPts val="20"/>
+                        </a:spcAft>
+                      </a:pPr>
+                      <a:r>
+                        <a:rPr lang="es-ES" sz="1200">
+                          <a:effectLst/>
+                        </a:rPr>
+                        <a:t> </a:t>
+                      </a:r>
+                      <a:endParaRPr lang="en-AR" sz="1200">
+                        <a:effectLst/>
+                      </a:endParaRPr>
+                    </a:p>
+                    <a:p>
+                      <a:pPr marL="1270" indent="-6350" algn="l">
+                        <a:lnSpc>
+                          <a:spcPct val="107000"/>
+                        </a:lnSpc>
+                        <a:spcAft>
+                          <a:spcPts val="20"/>
+                        </a:spcAft>
+                      </a:pPr>
+                      <a:r>
+                        <a:rPr lang="es-ES" sz="1200">
+                          <a:effectLst/>
+                        </a:rPr>
+                        <a:t>Activation: ‘relu’</a:t>
+                      </a:r>
+                      <a:endParaRPr lang="en-AR" sz="1200">
+                        <a:solidFill>
+                          <a:srgbClr val="161718"/>
+                        </a:solidFill>
+                        <a:effectLst/>
+                        <a:latin typeface="Microsoft Sans Serif" panose="020B0604020202020204" pitchFamily="34" charset="0"/>
+                        <a:ea typeface="Microsoft Sans Serif" panose="020B0604020202020204" pitchFamily="34" charset="0"/>
+                        <a:cs typeface="Times New Roman" panose="02020603050405020304" pitchFamily="18" charset="0"/>
+                      </a:endParaRPr>
+                    </a:p>
+                  </a:txBody>
+                  <a:tcPr marL="90170" marR="73025" marT="53340" marB="0"/>
+                </a:tc>
+                <a:extLst>
+                  <a:ext uri="{0D108BD9-81ED-4DB2-BD59-A6C34878D82A}">
+                    <a16:rowId xmlns:a16="http://schemas.microsoft.com/office/drawing/2014/main" val="3807760469"/>
+                  </a:ext>
+                </a:extLst>
+              </a:tr>
+              <a:tr h="298450">
+                <a:tc>
+                  <a:txBody>
+                    <a:bodyPr/>
+                    <a:lstStyle/>
+                    <a:p>
+                      <a:pPr marL="59055" indent="-6350" algn="l">
+                        <a:lnSpc>
+                          <a:spcPct val="107000"/>
+                        </a:lnSpc>
+                        <a:spcAft>
+                          <a:spcPts val="20"/>
+                        </a:spcAft>
+                      </a:pPr>
+                      <a:r>
+                        <a:rPr lang="es-ES" sz="1200">
+                          <a:effectLst/>
+                        </a:rPr>
+                        <a:t>Red 2 con PCA</a:t>
+                      </a:r>
+                      <a:endParaRPr lang="en-AR" sz="1200">
+                        <a:solidFill>
+                          <a:srgbClr val="161718"/>
+                        </a:solidFill>
+                        <a:effectLst/>
+                        <a:latin typeface="Microsoft Sans Serif" panose="020B0604020202020204" pitchFamily="34" charset="0"/>
+                        <a:ea typeface="Microsoft Sans Serif" panose="020B0604020202020204" pitchFamily="34" charset="0"/>
+                        <a:cs typeface="Times New Roman" panose="02020603050405020304" pitchFamily="18" charset="0"/>
+                      </a:endParaRPr>
+                    </a:p>
+                  </a:txBody>
+                  <a:tcPr marL="90170" marR="73025" marT="53340" marB="0"/>
+                </a:tc>
+                <a:tc>
+                  <a:txBody>
+                    <a:bodyPr/>
+                    <a:lstStyle/>
+                    <a:p>
+                      <a:pPr marL="1270" indent="-6350" algn="l">
+                        <a:lnSpc>
+                          <a:spcPct val="107000"/>
+                        </a:lnSpc>
+                        <a:spcAft>
+                          <a:spcPts val="20"/>
+                        </a:spcAft>
+                      </a:pPr>
+                      <a:r>
+                        <a:rPr lang="es-ES" sz="1200">
+                          <a:effectLst/>
+                        </a:rPr>
+                        <a:t>0.0401</a:t>
+                      </a:r>
+                      <a:endParaRPr lang="en-AR" sz="1200">
+                        <a:solidFill>
+                          <a:srgbClr val="161718"/>
+                        </a:solidFill>
+                        <a:effectLst/>
+                        <a:latin typeface="Microsoft Sans Serif" panose="020B0604020202020204" pitchFamily="34" charset="0"/>
+                        <a:ea typeface="Microsoft Sans Serif" panose="020B0604020202020204" pitchFamily="34" charset="0"/>
+                        <a:cs typeface="Times New Roman" panose="02020603050405020304" pitchFamily="18" charset="0"/>
+                      </a:endParaRPr>
+                    </a:p>
+                  </a:txBody>
+                  <a:tcPr marL="90170" marR="73025" marT="53340" marB="0"/>
+                </a:tc>
+                <a:tc>
+                  <a:txBody>
+                    <a:bodyPr/>
+                    <a:lstStyle/>
+                    <a:p>
+                      <a:pPr marL="1270" indent="-6350" algn="l">
+                        <a:lnSpc>
+                          <a:spcPct val="107000"/>
+                        </a:lnSpc>
+                        <a:spcAft>
+                          <a:spcPts val="20"/>
+                        </a:spcAft>
+                      </a:pPr>
+                      <a:r>
+                        <a:rPr lang="es-ES" sz="1200" dirty="0" err="1">
+                          <a:effectLst/>
+                        </a:rPr>
+                        <a:t>Hidden</a:t>
+                      </a:r>
+                      <a:r>
+                        <a:rPr lang="es-ES" sz="1200" dirty="0">
+                          <a:effectLst/>
+                        </a:rPr>
+                        <a:t> </a:t>
+                      </a:r>
+                      <a:r>
+                        <a:rPr lang="es-ES" sz="1200" dirty="0" err="1">
+                          <a:effectLst/>
+                        </a:rPr>
+                        <a:t>layers</a:t>
+                      </a:r>
+                      <a:r>
+                        <a:rPr lang="es-ES" sz="1200" dirty="0">
+                          <a:effectLst/>
+                        </a:rPr>
+                        <a:t>: (10,10,10,10,10)</a:t>
+                      </a:r>
+                      <a:endParaRPr lang="en-AR" sz="1200" dirty="0">
+                        <a:effectLst/>
+                      </a:endParaRPr>
+                    </a:p>
+                    <a:p>
+                      <a:pPr marL="1270" indent="-6350" algn="l">
+                        <a:lnSpc>
+                          <a:spcPct val="107000"/>
+                        </a:lnSpc>
+                        <a:spcAft>
+                          <a:spcPts val="20"/>
+                        </a:spcAft>
+                      </a:pPr>
+                      <a:r>
+                        <a:rPr lang="es-ES" sz="1200" dirty="0">
+                          <a:effectLst/>
+                        </a:rPr>
+                        <a:t> </a:t>
+                      </a:r>
+                      <a:endParaRPr lang="en-AR" sz="1200" dirty="0">
+                        <a:effectLst/>
+                      </a:endParaRPr>
+                    </a:p>
+                    <a:p>
+                      <a:pPr marL="1270" indent="-6350" algn="l">
+                        <a:lnSpc>
+                          <a:spcPct val="107000"/>
+                        </a:lnSpc>
+                        <a:spcAft>
+                          <a:spcPts val="20"/>
+                        </a:spcAft>
+                      </a:pPr>
+                      <a:r>
+                        <a:rPr lang="es-ES" sz="1200" dirty="0" err="1">
+                          <a:effectLst/>
+                        </a:rPr>
+                        <a:t>Activation</a:t>
+                      </a:r>
+                      <a:r>
+                        <a:rPr lang="es-ES" sz="1200" dirty="0">
+                          <a:effectLst/>
+                        </a:rPr>
+                        <a:t>: ‘</a:t>
+                      </a:r>
+                      <a:r>
+                        <a:rPr lang="es-ES" sz="1200" dirty="0" err="1">
+                          <a:effectLst/>
+                        </a:rPr>
+                        <a:t>relu</a:t>
+                      </a:r>
+                      <a:r>
+                        <a:rPr lang="es-ES" sz="1200" dirty="0">
+                          <a:effectLst/>
+                        </a:rPr>
+                        <a:t>’</a:t>
+                      </a:r>
+                      <a:endParaRPr lang="en-AR" sz="1200" dirty="0">
+                        <a:solidFill>
+                          <a:srgbClr val="161718"/>
+                        </a:solidFill>
+                        <a:effectLst/>
+                        <a:latin typeface="Microsoft Sans Serif" panose="020B0604020202020204" pitchFamily="34" charset="0"/>
+                        <a:ea typeface="Microsoft Sans Serif" panose="020B0604020202020204" pitchFamily="34" charset="0"/>
+                        <a:cs typeface="Times New Roman" panose="02020603050405020304" pitchFamily="18" charset="0"/>
+                      </a:endParaRPr>
+                    </a:p>
+                  </a:txBody>
+                  <a:tcPr marL="90170" marR="73025" marT="53340" marB="0"/>
+                </a:tc>
+                <a:extLst>
+                  <a:ext uri="{0D108BD9-81ED-4DB2-BD59-A6C34878D82A}">
+                    <a16:rowId xmlns:a16="http://schemas.microsoft.com/office/drawing/2014/main" val="578627823"/>
+                  </a:ext>
+                </a:extLst>
+              </a:tr>
+            </a:tbl>
+          </a:graphicData>
+        </a:graphic>
+      </p:graphicFrame>
+    </p:spTree>
+    <p:extLst>
+      <p:ext uri="{BB962C8B-B14F-4D97-AF65-F5344CB8AC3E}">
+        <p14:creationId xmlns:p14="http://schemas.microsoft.com/office/powerpoint/2010/main" val="3536466038"/>
+      </p:ext>
+    </p:extLst>
+  </p:cSld>
+  <p:clrMapOvr>
+    <a:masterClrMapping/>
+  </p:clrMapOvr>
+</p:sld>
+</file>
+
+<file path=ppt/slides/slide23.xml><?xml version="1.0" encoding="utf-8"?>
+<p:sld xmlns:a="http://schemas.openxmlformats.org/drawingml/2006/main" xmlns:r="http://schemas.openxmlformats.org/officeDocument/2006/relationships" xmlns:p="http://schemas.openxmlformats.org/presentationml/2006/main">
+  <p:cSld>
+    <p:spTree>
+      <p:nvGrpSpPr>
+        <p:cNvPr id="1" name=""/>
+        <p:cNvGrpSpPr/>
+        <p:nvPr/>
+      </p:nvGrpSpPr>
+      <p:grpSpPr>
+        <a:xfrm>
+          <a:off x="0" y="0"/>
+          <a:ext cx="0" cy="0"/>
+          <a:chOff x="0" y="0"/>
+          <a:chExt cx="0" cy="0"/>
+        </a:xfrm>
+      </p:grpSpPr>
+      <p:sp>
+        <p:nvSpPr>
+          <p:cNvPr id="2" name="Title 1">
+            <a:extLst>
+              <a:ext uri="{FF2B5EF4-FFF2-40B4-BE49-F238E27FC236}">
+                <a16:creationId xmlns:a16="http://schemas.microsoft.com/office/drawing/2014/main" id="{A684004F-55C6-E34B-8CD2-E73BA6045DEE}"/>
+              </a:ext>
+            </a:extLst>
+          </p:cNvPr>
+          <p:cNvSpPr>
+            <a:spLocks noGrp="1"/>
+          </p:cNvSpPr>
+          <p:nvPr>
+            <p:ph type="title"/>
+          </p:nvPr>
+        </p:nvSpPr>
+        <p:spPr/>
+        <p:txBody>
+          <a:bodyPr/>
+          <a:lstStyle/>
+          <a:p>
+            <a:r>
+              <a:rPr lang="es-ES_tradnl" dirty="0"/>
+              <a:t>Conclusiones</a:t>
+            </a:r>
+          </a:p>
+        </p:txBody>
+      </p:sp>
+    </p:spTree>
+    <p:extLst>
+      <p:ext uri="{BB962C8B-B14F-4D97-AF65-F5344CB8AC3E}">
+        <p14:creationId xmlns:p14="http://schemas.microsoft.com/office/powerpoint/2010/main" val="721286217"/>
+      </p:ext>
+    </p:extLst>
+  </p:cSld>
+  <p:clrMapOvr>
+    <a:masterClrMapping/>
+  </p:clrMapOvr>
+</p:sld>
+</file>
+
+<file path=ppt/slides/slide24.xml><?xml version="1.0" encoding="utf-8"?>
+<p:sld xmlns:a="http://schemas.openxmlformats.org/drawingml/2006/main" xmlns:r="http://schemas.openxmlformats.org/officeDocument/2006/relationships" xmlns:p="http://schemas.openxmlformats.org/presentationml/2006/main">
+  <p:cSld>
+    <p:spTree>
+      <p:nvGrpSpPr>
+        <p:cNvPr id="1" name=""/>
+        <p:cNvGrpSpPr/>
+        <p:nvPr/>
+      </p:nvGrpSpPr>
+      <p:grpSpPr>
+        <a:xfrm>
+          <a:off x="0" y="0"/>
+          <a:ext cx="0" cy="0"/>
+          <a:chOff x="0" y="0"/>
+          <a:chExt cx="0" cy="0"/>
+        </a:xfrm>
+      </p:grpSpPr>
+      <p:sp>
+        <p:nvSpPr>
+          <p:cNvPr id="2" name="Title 1"/>
+          <p:cNvSpPr>
+            <a:spLocks noGrp="1"/>
+          </p:cNvSpPr>
+          <p:nvPr>
+            <p:ph type="title"/>
+          </p:nvPr>
+        </p:nvSpPr>
+        <p:spPr>
+          <a:xfrm>
+            <a:off x="312516" y="365125"/>
+            <a:ext cx="10248358" cy="1325563"/>
+          </a:xfrm>
+        </p:spPr>
+        <p:txBody>
+          <a:bodyPr/>
+          <a:lstStyle/>
+          <a:p>
+            <a:pPr algn="l"/>
+            <a:r>
+              <a:rPr lang="es-ES_tradnl" dirty="0"/>
+              <a:t>Conclusiones</a:t>
+            </a:r>
+          </a:p>
+        </p:txBody>
+      </p:sp>
+      <p:sp>
+        <p:nvSpPr>
+          <p:cNvPr id="4" name="Content Placeholder 2">
+            <a:extLst>
+              <a:ext uri="{FF2B5EF4-FFF2-40B4-BE49-F238E27FC236}">
+                <a16:creationId xmlns:a16="http://schemas.microsoft.com/office/drawing/2014/main" id="{758D99EF-6495-1C43-9B4C-B0C4AA0CD651}"/>
+              </a:ext>
+            </a:extLst>
+          </p:cNvPr>
+          <p:cNvSpPr txBox="1">
+            <a:spLocks/>
+          </p:cNvSpPr>
+          <p:nvPr/>
+        </p:nvSpPr>
+        <p:spPr>
+          <a:xfrm>
+            <a:off x="312516" y="1972042"/>
+            <a:ext cx="10062407" cy="3444020"/>
+          </a:xfrm>
+          <a:prstGeom prst="rect">
+            <a:avLst/>
+          </a:prstGeom>
+        </p:spPr>
+        <p:txBody>
+          <a:bodyPr vert="horz" lIns="91440" tIns="45720" rIns="91440" bIns="45720" rtlCol="0">
+            <a:normAutofit/>
+          </a:bodyPr>
+          <a:lstStyle>
+            <a:lvl1pPr marL="228600" indent="-228600" algn="l" defTabSz="914400" rtl="0" eaLnBrk="1" latinLnBrk="0" hangingPunct="1">
+              <a:lnSpc>
+                <a:spcPct val="90000"/>
+              </a:lnSpc>
+              <a:spcBef>
+                <a:spcPts val="1000"/>
+              </a:spcBef>
+              <a:buFont typeface="Arial" panose="020B0604020202020204" pitchFamily="34" charset="0"/>
+              <a:buChar char="•"/>
+              <a:defRPr sz="2800" kern="1200">
+                <a:solidFill>
+                  <a:schemeClr val="bg1"/>
+                </a:solidFill>
+                <a:latin typeface="+mn-lt"/>
+                <a:ea typeface="+mn-ea"/>
+                <a:cs typeface="+mn-cs"/>
+              </a:defRPr>
+            </a:lvl1pPr>
+            <a:lvl2pPr marL="685800" indent="-228600" algn="l" defTabSz="914400" rtl="0" eaLnBrk="1" latinLnBrk="0" hangingPunct="1">
+              <a:lnSpc>
+                <a:spcPct val="90000"/>
+              </a:lnSpc>
+              <a:spcBef>
+                <a:spcPts val="500"/>
+              </a:spcBef>
+              <a:buFont typeface="Arial" panose="020B0604020202020204" pitchFamily="34" charset="0"/>
+              <a:buChar char="•"/>
+              <a:defRPr sz="2400" kern="1200">
+                <a:solidFill>
+                  <a:schemeClr val="bg1"/>
+                </a:solidFill>
+                <a:latin typeface="+mn-lt"/>
+                <a:ea typeface="+mn-ea"/>
+                <a:cs typeface="+mn-cs"/>
+              </a:defRPr>
+            </a:lvl2pPr>
+            <a:lvl3pPr marL="1143000" indent="-228600" algn="l" defTabSz="914400" rtl="0" eaLnBrk="1" latinLnBrk="0" hangingPunct="1">
+              <a:lnSpc>
+                <a:spcPct val="90000"/>
+              </a:lnSpc>
+              <a:spcBef>
+                <a:spcPts val="500"/>
+              </a:spcBef>
+              <a:buFont typeface="Arial" panose="020B0604020202020204" pitchFamily="34" charset="0"/>
+              <a:buChar char="•"/>
+              <a:defRPr sz="2000" kern="1200">
+                <a:solidFill>
+                  <a:schemeClr val="bg1"/>
+                </a:solidFill>
+                <a:latin typeface="+mn-lt"/>
+                <a:ea typeface="+mn-ea"/>
+                <a:cs typeface="+mn-cs"/>
+              </a:defRPr>
+            </a:lvl3pPr>
+            <a:lvl4pPr marL="1600200" indent="-228600" algn="l" defTabSz="914400" rtl="0" eaLnBrk="1" latinLnBrk="0" hangingPunct="1">
+              <a:lnSpc>
+                <a:spcPct val="90000"/>
+              </a:lnSpc>
+              <a:spcBef>
+                <a:spcPts val="500"/>
+              </a:spcBef>
+              <a:buFont typeface="Arial" panose="020B0604020202020204" pitchFamily="34" charset="0"/>
+              <a:buChar char="•"/>
+              <a:defRPr sz="1800" kern="1200">
+                <a:solidFill>
+                  <a:schemeClr val="bg1"/>
+                </a:solidFill>
+                <a:latin typeface="+mn-lt"/>
+                <a:ea typeface="+mn-ea"/>
+                <a:cs typeface="+mn-cs"/>
+              </a:defRPr>
+            </a:lvl4pPr>
+            <a:lvl5pPr marL="2057400" indent="-228600" algn="l" defTabSz="914400" rtl="0" eaLnBrk="1" latinLnBrk="0" hangingPunct="1">
+              <a:lnSpc>
+                <a:spcPct val="90000"/>
+              </a:lnSpc>
+              <a:spcBef>
+                <a:spcPts val="500"/>
+              </a:spcBef>
+              <a:buFont typeface="Arial" panose="020B0604020202020204" pitchFamily="34" charset="0"/>
+              <a:buChar char="•"/>
+              <a:defRPr sz="1800" kern="1200">
+                <a:solidFill>
+                  <a:schemeClr val="bg1"/>
+                </a:solidFill>
+                <a:latin typeface="+mn-lt"/>
+                <a:ea typeface="+mn-ea"/>
+                <a:cs typeface="+mn-cs"/>
+              </a:defRPr>
+            </a:lvl5pPr>
+            <a:lvl6pPr marL="2514600" indent="-228600" algn="l" defTabSz="914400" rtl="0" eaLnBrk="1" latinLnBrk="0" hangingPunct="1">
+              <a:lnSpc>
+                <a:spcPct val="90000"/>
+              </a:lnSpc>
+              <a:spcBef>
+                <a:spcPts val="500"/>
+              </a:spcBef>
+              <a:buFont typeface="Arial" panose="020B0604020202020204" pitchFamily="34" charset="0"/>
+              <a:buChar char="•"/>
+              <a:defRPr sz="1800" kern="1200">
+                <a:solidFill>
+                  <a:schemeClr val="tx1"/>
+                </a:solidFill>
+                <a:latin typeface="+mn-lt"/>
+                <a:ea typeface="+mn-ea"/>
+                <a:cs typeface="+mn-cs"/>
+              </a:defRPr>
+            </a:lvl6pPr>
+            <a:lvl7pPr marL="2971800" indent="-228600" algn="l" defTabSz="914400" rtl="0" eaLnBrk="1" latinLnBrk="0" hangingPunct="1">
+              <a:lnSpc>
+                <a:spcPct val="90000"/>
+              </a:lnSpc>
+              <a:spcBef>
+                <a:spcPts val="500"/>
+              </a:spcBef>
+              <a:buFont typeface="Arial" panose="020B0604020202020204" pitchFamily="34" charset="0"/>
+              <a:buChar char="•"/>
+              <a:defRPr sz="1800" kern="1200">
+                <a:solidFill>
+                  <a:schemeClr val="tx1"/>
+                </a:solidFill>
+                <a:latin typeface="+mn-lt"/>
+                <a:ea typeface="+mn-ea"/>
+                <a:cs typeface="+mn-cs"/>
+              </a:defRPr>
+            </a:lvl7pPr>
+            <a:lvl8pPr marL="3429000" indent="-228600" algn="l" defTabSz="914400" rtl="0" eaLnBrk="1" latinLnBrk="0" hangingPunct="1">
+              <a:lnSpc>
+                <a:spcPct val="90000"/>
+              </a:lnSpc>
+              <a:spcBef>
+                <a:spcPts val="500"/>
+              </a:spcBef>
+              <a:buFont typeface="Arial" panose="020B0604020202020204" pitchFamily="34" charset="0"/>
+              <a:buChar char="•"/>
+              <a:defRPr sz="1800" kern="1200">
+                <a:solidFill>
+                  <a:schemeClr val="tx1"/>
+                </a:solidFill>
+                <a:latin typeface="+mn-lt"/>
+                <a:ea typeface="+mn-ea"/>
+                <a:cs typeface="+mn-cs"/>
+              </a:defRPr>
+            </a:lvl8pPr>
+            <a:lvl9pPr marL="3886200" indent="-228600" algn="l" defTabSz="914400" rtl="0" eaLnBrk="1" latinLnBrk="0" hangingPunct="1">
+              <a:lnSpc>
+                <a:spcPct val="90000"/>
+              </a:lnSpc>
+              <a:spcBef>
+                <a:spcPts val="500"/>
+              </a:spcBef>
+              <a:buFont typeface="Arial" panose="020B0604020202020204" pitchFamily="34" charset="0"/>
+              <a:buChar char="•"/>
+              <a:defRPr sz="1800" kern="1200">
+                <a:solidFill>
+                  <a:schemeClr val="tx1"/>
+                </a:solidFill>
+                <a:latin typeface="+mn-lt"/>
+                <a:ea typeface="+mn-ea"/>
+                <a:cs typeface="+mn-cs"/>
+              </a:defRPr>
+            </a:lvl9pPr>
+          </a:lstStyle>
+          <a:p>
             <a:r>
               <a:rPr lang="es-ES_tradnl" sz="2000" dirty="0"/>
               <a:t>Los mejores resultados fueron obtenidos con algoritmos de clasificación. </a:t>
@@ -7383,22 +9303,31 @@
           <a:p>
             <a:r>
               <a:rPr lang="es-ES_tradnl" sz="2000" dirty="0"/>
-              <a:t>Los métodos de regresión no arrojaron buenos resultados</a:t>
+              <a:t>Los métodos de regresión no arrojaron buenos resultados.</a:t>
             </a:r>
           </a:p>
           <a:p>
             <a:r>
               <a:rPr lang="es-ES_tradnl" sz="2000" dirty="0"/>
-              <a:t>La falta de </a:t>
-            </a:r>
-            <a:r>
-              <a:rPr lang="es-ES_tradnl" sz="2000" dirty="0" err="1"/>
-              <a:t>correlacion</a:t>
-            </a:r>
+              <a:t>Las redes neurales, a pesar de ser modelos más generales y no lineales no ofrecieron grandes mejoras en la performance</a:t>
+            </a:r>
+          </a:p>
+          <a:p>
             <a:r>
               <a:rPr lang="es-ES_tradnl" sz="2000" dirty="0"/>
-              <a:t> entre las variables podría ser la causa de la baja performance de los modelos de regresión</a:t>
-            </a:r>
+              <a:t>La falta de correlación entre las variables podría ser la causa de la baja performance de los modelos en general.</a:t>
+            </a:r>
+          </a:p>
+          <a:p>
+            <a:r>
+              <a:rPr lang="es-ES_tradnl" sz="2000" dirty="0"/>
+              <a:t>Investigaciones futuras podrían utilizar distintos datos acerca de las canciones para determinar un mejor </a:t>
+            </a:r>
+            <a:r>
+              <a:rPr lang="es-ES_tradnl" sz="2000"/>
+              <a:t>modelo predictivo.</a:t>
+            </a:r>
+            <a:endParaRPr lang="es-ES_tradnl" sz="2000" dirty="0"/>
           </a:p>
           <a:p>
             <a:endParaRPr lang="es-ES_tradnl" sz="2000" dirty="0"/>
@@ -9435,7 +11364,7 @@
         </p:blipFill>
         <p:spPr>
           <a:xfrm>
-            <a:off x="309651" y="4275648"/>
+            <a:off x="373998" y="924613"/>
             <a:ext cx="8733784" cy="2504387"/>
           </a:xfrm>
           <a:prstGeom prst="rect">
@@ -9443,50 +11372,6 @@
           </a:prstGeom>
         </p:spPr>
       </p:pic>
-      <p:sp>
-        <p:nvSpPr>
-          <p:cNvPr id="9" name="Content Placeholder 2">
-            <a:extLst>
-              <a:ext uri="{FF2B5EF4-FFF2-40B4-BE49-F238E27FC236}">
-                <a16:creationId xmlns:a16="http://schemas.microsoft.com/office/drawing/2014/main" id="{6F31B722-061B-4947-B6DA-AB908DBD0DB4}"/>
-              </a:ext>
-            </a:extLst>
-          </p:cNvPr>
-          <p:cNvSpPr>
-            <a:spLocks noGrp="1"/>
-          </p:cNvSpPr>
-          <p:nvPr>
-            <p:ph idx="1"/>
-          </p:nvPr>
-        </p:nvSpPr>
-        <p:spPr>
-          <a:xfrm>
-            <a:off x="245304" y="382749"/>
-            <a:ext cx="8798131" cy="543226"/>
-          </a:xfrm>
-        </p:spPr>
-        <p:txBody>
-          <a:bodyPr>
-            <a:normAutofit/>
-          </a:bodyPr>
-          <a:lstStyle/>
-          <a:p>
-            <a:pPr marL="0" indent="0">
-              <a:buNone/>
-            </a:pPr>
-            <a:r>
-              <a:rPr lang="es-ES_tradnl" dirty="0"/>
-              <a:t>Train Set antes de la limpieza</a:t>
-            </a:r>
-          </a:p>
-          <a:p>
-            <a:pPr marL="0" indent="0">
-              <a:buNone/>
-            </a:pPr>
-            <a:endParaRPr lang="en-US" dirty="0"/>
-          </a:p>
-        </p:txBody>
-      </p:sp>
       <p:sp>
         <p:nvSpPr>
           <p:cNvPr id="11" name="Content Placeholder 2">
@@ -9503,7 +11388,7 @@
         </p:nvSpPr>
         <p:spPr>
           <a:xfrm>
-            <a:off x="277477" y="3632669"/>
+            <a:off x="309651" y="390706"/>
             <a:ext cx="8798131" cy="543226"/>
           </a:xfrm>
           <a:prstGeom prst="rect">
@@ -9694,6 +11579,52 @@
               <a:buNone/>
             </a:pPr>
             <a:endParaRPr lang="en-US" dirty="0"/>
+          </a:p>
+        </p:txBody>
+      </p:sp>
+      <p:sp>
+        <p:nvSpPr>
+          <p:cNvPr id="5" name="TextBox 4">
+            <a:extLst>
+              <a:ext uri="{FF2B5EF4-FFF2-40B4-BE49-F238E27FC236}">
+                <a16:creationId xmlns:a16="http://schemas.microsoft.com/office/drawing/2014/main" id="{1034199F-7B01-8BD5-8E40-73527A120935}"/>
+              </a:ext>
+            </a:extLst>
+          </p:cNvPr>
+          <p:cNvSpPr txBox="1"/>
+          <p:nvPr/>
+        </p:nvSpPr>
+        <p:spPr>
+          <a:xfrm>
+            <a:off x="373998" y="3568247"/>
+            <a:ext cx="6259482" cy="1059457"/>
+          </a:xfrm>
+          <a:prstGeom prst="rect">
+            <a:avLst/>
+          </a:prstGeom>
+          <a:noFill/>
+        </p:spPr>
+        <p:txBody>
+          <a:bodyPr wrap="square">
+            <a:spAutoFit/>
+          </a:bodyPr>
+          <a:lstStyle/>
+          <a:p>
+            <a:pPr marL="285750" indent="-285750">
+              <a:lnSpc>
+                <a:spcPct val="120000"/>
+              </a:lnSpc>
+              <a:buFont typeface="Arial" panose="020B0604020202020204" pitchFamily="34" charset="0"/>
+              <a:buChar char="•"/>
+            </a:pPr>
+            <a:r>
+              <a:rPr lang="es-ES_tradnl" dirty="0">
+                <a:solidFill>
+                  <a:schemeClr val="bg1"/>
+                </a:solidFill>
+              </a:rPr>
+              <a:t>Tener en cuenta que de las 160.000 filas, un 80% fue al test set (128.000). Luego, la estricta limpieza de los datos nos dejo con alrededor de 55.000 filas.</a:t>
+            </a:r>
           </a:p>
         </p:txBody>
       </p:sp>
@@ -9727,50 +11658,6 @@
           <a:chExt cx="0" cy="0"/>
         </a:xfrm>
       </p:grpSpPr>
-      <p:sp>
-        <p:nvSpPr>
-          <p:cNvPr id="9" name="Content Placeholder 2">
-            <a:extLst>
-              <a:ext uri="{FF2B5EF4-FFF2-40B4-BE49-F238E27FC236}">
-                <a16:creationId xmlns:a16="http://schemas.microsoft.com/office/drawing/2014/main" id="{6F31B722-061B-4947-B6DA-AB908DBD0DB4}"/>
-              </a:ext>
-            </a:extLst>
-          </p:cNvPr>
-          <p:cNvSpPr>
-            <a:spLocks noGrp="1"/>
-          </p:cNvSpPr>
-          <p:nvPr>
-            <p:ph idx="1"/>
-          </p:nvPr>
-        </p:nvSpPr>
-        <p:spPr>
-          <a:xfrm>
-            <a:off x="245304" y="382749"/>
-            <a:ext cx="8798131" cy="543226"/>
-          </a:xfrm>
-        </p:spPr>
-        <p:txBody>
-          <a:bodyPr>
-            <a:normAutofit/>
-          </a:bodyPr>
-          <a:lstStyle/>
-          <a:p>
-            <a:pPr marL="0" indent="0">
-              <a:buNone/>
-            </a:pPr>
-            <a:r>
-              <a:rPr lang="es-ES_tradnl" dirty="0"/>
-              <a:t>Test Set antes de la limpieza</a:t>
-            </a:r>
-          </a:p>
-          <a:p>
-            <a:pPr marL="0" indent="0">
-              <a:buNone/>
-            </a:pPr>
-            <a:endParaRPr lang="en-US" dirty="0"/>
-          </a:p>
-        </p:txBody>
-      </p:sp>
       <p:pic>
         <p:nvPicPr>
           <p:cNvPr id="10" name="Picture 9">
@@ -9793,7 +11680,7 @@
         </p:blipFill>
         <p:spPr>
           <a:xfrm>
-            <a:off x="309650" y="4273719"/>
+            <a:off x="180957" y="850804"/>
             <a:ext cx="8669438" cy="2485935"/>
           </a:xfrm>
           <a:prstGeom prst="rect">
@@ -9817,7 +11704,7 @@
         </p:nvSpPr>
         <p:spPr>
           <a:xfrm>
-            <a:off x="245304" y="3732422"/>
+            <a:off x="180957" y="307578"/>
             <a:ext cx="8798131" cy="543226"/>
           </a:xfrm>
           <a:prstGeom prst="rect">
@@ -10008,6 +11895,52 @@
               <a:buNone/>
             </a:pPr>
             <a:endParaRPr lang="en-US" dirty="0"/>
+          </a:p>
+        </p:txBody>
+      </p:sp>
+      <p:sp>
+        <p:nvSpPr>
+          <p:cNvPr id="4" name="TextBox 3">
+            <a:extLst>
+              <a:ext uri="{FF2B5EF4-FFF2-40B4-BE49-F238E27FC236}">
+                <a16:creationId xmlns:a16="http://schemas.microsoft.com/office/drawing/2014/main" id="{29967791-3324-7DA9-9352-0CFA6F3DD507}"/>
+              </a:ext>
+            </a:extLst>
+          </p:cNvPr>
+          <p:cNvSpPr txBox="1"/>
+          <p:nvPr/>
+        </p:nvSpPr>
+        <p:spPr>
+          <a:xfrm>
+            <a:off x="290871" y="3521262"/>
+            <a:ext cx="6259482" cy="727059"/>
+          </a:xfrm>
+          <a:prstGeom prst="rect">
+            <a:avLst/>
+          </a:prstGeom>
+          <a:noFill/>
+        </p:spPr>
+        <p:txBody>
+          <a:bodyPr wrap="square">
+            <a:spAutoFit/>
+          </a:bodyPr>
+          <a:lstStyle/>
+          <a:p>
+            <a:pPr marL="285750" indent="-285750">
+              <a:lnSpc>
+                <a:spcPct val="120000"/>
+              </a:lnSpc>
+              <a:buFont typeface="Arial" panose="020B0604020202020204" pitchFamily="34" charset="0"/>
+              <a:buChar char="•"/>
+            </a:pPr>
+            <a:r>
+              <a:rPr lang="es-ES_tradnl" dirty="0">
+                <a:solidFill>
+                  <a:schemeClr val="bg1"/>
+                </a:solidFill>
+              </a:rPr>
+              <a:t>De las 32.000 filas que fueron al test set solamente nos quedamos con alrededor de 14.000.</a:t>
+            </a:r>
           </a:p>
         </p:txBody>
       </p:sp>
